--- a/lessons/class6/Class6A.pptx
+++ b/lessons/class6/Class6A.pptx
@@ -5,21 +5,22 @@
     <p:sldMasterId id="2147483660" r:id="rId1"/>
   </p:sldMasterIdLst>
   <p:notesMasterIdLst>
-    <p:notesMasterId r:id="rId14"/>
+    <p:notesMasterId r:id="rId15"/>
   </p:notesMasterIdLst>
   <p:sldIdLst>
-    <p:sldId id="593" r:id="rId2"/>
-    <p:sldId id="811" r:id="rId3"/>
-    <p:sldId id="815" r:id="rId4"/>
-    <p:sldId id="397" r:id="rId5"/>
-    <p:sldId id="447" r:id="rId6"/>
-    <p:sldId id="400" r:id="rId7"/>
-    <p:sldId id="809" r:id="rId8"/>
-    <p:sldId id="350" r:id="rId9"/>
-    <p:sldId id="383" r:id="rId10"/>
-    <p:sldId id="384" r:id="rId11"/>
-    <p:sldId id="357" r:id="rId12"/>
-    <p:sldId id="816" r:id="rId13"/>
+    <p:sldId id="817" r:id="rId2"/>
+    <p:sldId id="593" r:id="rId3"/>
+    <p:sldId id="811" r:id="rId4"/>
+    <p:sldId id="815" r:id="rId5"/>
+    <p:sldId id="397" r:id="rId6"/>
+    <p:sldId id="447" r:id="rId7"/>
+    <p:sldId id="400" r:id="rId8"/>
+    <p:sldId id="809" r:id="rId9"/>
+    <p:sldId id="350" r:id="rId10"/>
+    <p:sldId id="383" r:id="rId11"/>
+    <p:sldId id="384" r:id="rId12"/>
+    <p:sldId id="357" r:id="rId13"/>
+    <p:sldId id="816" r:id="rId14"/>
   </p:sldIdLst>
   <p:sldSz cx="9144000" cy="6858000" type="screen4x3"/>
   <p:notesSz cx="6858000" cy="9144000"/>
@@ -225,7 +226,7 @@
           <a:p>
             <a:fld id="{B0C0A60C-850A-4EA4-9C14-A8FE98B94505}" type="datetimeFigureOut">
               <a:rPr lang="en-US" smtClean="0"/>
-              <a:t>1/2/21</a:t>
+              <a:t>1/10/21</a:t>
             </a:fld>
             <a:endParaRPr lang="en-US"/>
           </a:p>
@@ -598,7 +599,7 @@
               <a:pPr>
                 <a:defRPr/>
               </a:pPr>
-              <a:t>3</a:t>
+              <a:t>4</a:t>
             </a:fld>
             <a:endParaRPr lang="en-US" altLang="en-US">
               <a:solidFill>
@@ -689,7 +690,7 @@
           <a:p>
             <a:fld id="{24E9AA13-E3FC-4BB6-B68D-5F0F5803D716}" type="slidenum">
               <a:rPr lang="en-US" smtClean="0"/>
-              <a:t>4</a:t>
+              <a:t>5</a:t>
             </a:fld>
             <a:endParaRPr lang="en-US"/>
           </a:p>
@@ -776,7 +777,7 @@
           <a:p>
             <a:fld id="{24E9AA13-E3FC-4BB6-B68D-5F0F5803D716}" type="slidenum">
               <a:rPr lang="en-US" smtClean="0"/>
-              <a:t>5</a:t>
+              <a:t>6</a:t>
             </a:fld>
             <a:endParaRPr lang="en-US"/>
           </a:p>
@@ -888,7 +889,7 @@
           <a:p>
             <a:fld id="{24E9AA13-E3FC-4BB6-B68D-5F0F5803D716}" type="slidenum">
               <a:rPr lang="en-US" smtClean="0"/>
-              <a:t>6</a:t>
+              <a:t>7</a:t>
             </a:fld>
             <a:endParaRPr lang="en-US"/>
           </a:p>
@@ -972,7 +973,7 @@
           <a:p>
             <a:fld id="{24E9AA13-E3FC-4BB6-B68D-5F0F5803D716}" type="slidenum">
               <a:rPr lang="en-US" smtClean="0"/>
-              <a:t>8</a:t>
+              <a:t>9</a:t>
             </a:fld>
             <a:endParaRPr lang="en-US"/>
           </a:p>
@@ -1084,7 +1085,7 @@
           <a:p>
             <a:fld id="{24E9AA13-E3FC-4BB6-B68D-5F0F5803D716}" type="slidenum">
               <a:rPr lang="en-US" smtClean="0"/>
-              <a:t>9</a:t>
+              <a:t>10</a:t>
             </a:fld>
             <a:endParaRPr lang="en-US"/>
           </a:p>
@@ -1333,7 +1334,7 @@
                 <a:latin typeface="Calibri" panose="020F0502020204030204" pitchFamily="34" charset="0"/>
               </a:rPr>
               <a:pPr eaLnBrk="1" hangingPunct="1"/>
-              <a:t>11</a:t>
+              <a:t>12</a:t>
             </a:fld>
             <a:endParaRPr lang="en-US" altLang="en-US">
               <a:latin typeface="Calibri" panose="020F0502020204030204" pitchFamily="34" charset="0"/>
@@ -1486,7 +1487,7 @@
           <a:p>
             <a:fld id="{5738B90E-0779-4C36-915C-6F05FCD89456}" type="datetime1">
               <a:rPr lang="en-US" smtClean="0"/>
-              <a:t>1/2/21</a:t>
+              <a:t>1/10/21</a:t>
             </a:fld>
             <a:endParaRPr lang="en-US"/>
           </a:p>
@@ -1683,7 +1684,7 @@
           <a:p>
             <a:fld id="{7B9EA29D-D431-42FE-B7B6-AAE4454C77D3}" type="datetime1">
               <a:rPr lang="en-US" smtClean="0"/>
-              <a:t>1/2/21</a:t>
+              <a:t>1/10/21</a:t>
             </a:fld>
             <a:endParaRPr lang="en-US"/>
           </a:p>
@@ -2038,7 +2039,7 @@
           <a:p>
             <a:fld id="{690D8A1E-EA8F-46C1-B891-AE0C00D9C314}" type="datetime1">
               <a:rPr lang="en-US" smtClean="0"/>
-              <a:t>1/2/21</a:t>
+              <a:t>1/10/21</a:t>
             </a:fld>
             <a:endParaRPr lang="en-US"/>
           </a:p>
@@ -2346,7 +2347,7 @@
           <a:p>
             <a:fld id="{D753EFC8-4232-4598-94F6-94C0EBAFC469}" type="datetime1">
               <a:rPr lang="en-US" smtClean="0"/>
-              <a:t>1/2/21</a:t>
+              <a:t>1/10/21</a:t>
             </a:fld>
             <a:endParaRPr lang="en-US"/>
           </a:p>
@@ -2675,7 +2676,7 @@
           <a:p>
             <a:fld id="{F3161074-1C18-4AE7-957D-F18524378C85}" type="datetime1">
               <a:rPr lang="en-US" smtClean="0"/>
-              <a:t>1/2/21</a:t>
+              <a:t>1/10/21</a:t>
             </a:fld>
             <a:endParaRPr lang="en-US"/>
           </a:p>
@@ -2928,7 +2929,7 @@
           <a:p>
             <a:fld id="{69BE256C-8D9A-4404-B47D-41A1AE514425}" type="datetime1">
               <a:rPr lang="en-US" smtClean="0"/>
-              <a:t>1/2/21</a:t>
+              <a:t>1/10/21</a:t>
             </a:fld>
             <a:endParaRPr lang="en-US"/>
           </a:p>
@@ -3376,7 +3377,7 @@
           <a:p>
             <a:fld id="{66CB2154-9035-4012-8189-BAAB61C5A5EE}" type="datetime1">
               <a:rPr lang="en-US" smtClean="0"/>
-              <a:t>1/2/21</a:t>
+              <a:t>1/10/21</a:t>
             </a:fld>
             <a:endParaRPr lang="en-US"/>
           </a:p>
@@ -3564,7 +3565,7 @@
           <a:p>
             <a:fld id="{6700A58B-DD98-43D0-B791-721480A02982}" type="datetime1">
               <a:rPr lang="en-US" smtClean="0"/>
-              <a:t>1/2/21</a:t>
+              <a:t>1/10/21</a:t>
             </a:fld>
             <a:endParaRPr lang="en-US"/>
           </a:p>
@@ -3770,7 +3771,7 @@
           <a:p>
             <a:fld id="{7DB6E382-4F61-4E24-BE1A-377EC83D0E3A}" type="datetime1">
               <a:rPr lang="en-US" smtClean="0"/>
-              <a:t>1/2/21</a:t>
+              <a:t>1/10/21</a:t>
             </a:fld>
             <a:endParaRPr lang="en-US"/>
           </a:p>
@@ -4176,7 +4177,7 @@
           <a:p>
             <a:fld id="{4142EED6-FC16-45B9-B8C4-2BC5DBA88325}" type="datetime1">
               <a:rPr lang="en-US" smtClean="0"/>
-              <a:t>1/2/21</a:t>
+              <a:t>1/10/21</a:t>
             </a:fld>
             <a:endParaRPr lang="en-US"/>
           </a:p>
@@ -4508,7 +4509,7 @@
           <a:p>
             <a:fld id="{DF59512B-4F1D-43D7-8819-2F53FEF69650}" type="datetime1">
               <a:rPr lang="en-US" smtClean="0"/>
-              <a:t>1/2/21</a:t>
+              <a:t>1/10/21</a:t>
             </a:fld>
             <a:endParaRPr lang="en-US"/>
           </a:p>
@@ -4798,7 +4799,7 @@
           <a:p>
             <a:fld id="{08437B94-E2BF-44DC-ADC5-B05FC9934E9D}" type="datetime1">
               <a:rPr lang="en-US" smtClean="0"/>
-              <a:t>1/2/21</a:t>
+              <a:t>1/10/21</a:t>
             </a:fld>
             <a:endParaRPr lang="en-US"/>
           </a:p>
@@ -5216,12 +5217,18 @@
       </p:grpSpPr>
       <p:sp>
         <p:nvSpPr>
-          <p:cNvPr id="2" name="Title 1"/>
+          <p:cNvPr id="2" name="Title 1">
+            <a:extLst>
+              <a:ext uri="{FF2B5EF4-FFF2-40B4-BE49-F238E27FC236}">
+                <a16:creationId xmlns:a16="http://schemas.microsoft.com/office/drawing/2014/main" id="{3DE9EC43-32D6-384F-9121-04394782CAB5}"/>
+              </a:ext>
+            </a:extLst>
+          </p:cNvPr>
           <p:cNvSpPr>
             <a:spLocks noGrp="1"/>
           </p:cNvSpPr>
           <p:nvPr>
-            <p:ph type="ctrTitle"/>
+            <p:ph type="title"/>
           </p:nvPr>
         </p:nvSpPr>
         <p:spPr/>
@@ -5229,32 +5236,24 @@
           <a:bodyPr/>
           <a:lstStyle/>
           <a:p>
-            <a:r>
-              <a:rPr lang="en-US" dirty="0"/>
-              <a:t>Text Mining &amp; NLP</a:t>
-            </a:r>
-            <a:br>
-              <a:rPr lang="en-US" dirty="0"/>
-            </a:br>
-            <a:r>
-              <a:rPr lang="en-US" dirty="0" err="1"/>
-              <a:t>ElasticNet</a:t>
-            </a:r>
-            <a:r>
-              <a:rPr lang="en-US" dirty="0"/>
-              <a:t> Regression</a:t>
-            </a:r>
-          </a:p>
-        </p:txBody>
-      </p:sp>
-      <p:sp>
-        <p:nvSpPr>
-          <p:cNvPr id="3" name="Subtitle 2"/>
+            <a:endParaRPr lang="en-US"/>
+          </a:p>
+        </p:txBody>
+      </p:sp>
+      <p:sp>
+        <p:nvSpPr>
+          <p:cNvPr id="3" name="Content Placeholder 2">
+            <a:extLst>
+              <a:ext uri="{FF2B5EF4-FFF2-40B4-BE49-F238E27FC236}">
+                <a16:creationId xmlns:a16="http://schemas.microsoft.com/office/drawing/2014/main" id="{DE363226-7B7E-7F40-85E6-9BBD72637ACB}"/>
+              </a:ext>
+            </a:extLst>
+          </p:cNvPr>
           <p:cNvSpPr>
             <a:spLocks noGrp="1"/>
           </p:cNvSpPr>
           <p:nvPr>
-            <p:ph type="subTitle" idx="1"/>
+            <p:ph idx="1"/>
           </p:nvPr>
         </p:nvSpPr>
         <p:spPr/>
@@ -5262,16 +5261,19 @@
           <a:bodyPr/>
           <a:lstStyle/>
           <a:p>
-            <a:r>
-              <a:rPr lang="en-US" dirty="0"/>
-              <a:t>Ted Kwartler</a:t>
-            </a:r>
-          </a:p>
-        </p:txBody>
-      </p:sp>
-      <p:sp>
-        <p:nvSpPr>
-          <p:cNvPr id="4" name="Date Placeholder 3"/>
+            <a:endParaRPr lang="en-US"/>
+          </a:p>
+        </p:txBody>
+      </p:sp>
+      <p:sp>
+        <p:nvSpPr>
+          <p:cNvPr id="4" name="Date Placeholder 3">
+            <a:extLst>
+              <a:ext uri="{FF2B5EF4-FFF2-40B4-BE49-F238E27FC236}">
+                <a16:creationId xmlns:a16="http://schemas.microsoft.com/office/drawing/2014/main" id="{E0B0D371-A110-A148-865F-1E74961A6033}"/>
+              </a:ext>
+            </a:extLst>
+          </p:cNvPr>
           <p:cNvSpPr>
             <a:spLocks noGrp="1"/>
           </p:cNvSpPr>
@@ -5284,10 +5286,9 @@
           <a:bodyPr/>
           <a:lstStyle/>
           <a:p>
-            <a:fld id="{5738B90E-0779-4C36-915C-6F05FCD89456}" type="datetime1">
+            <a:fld id="{D753EFC8-4232-4598-94F6-94C0EBAFC469}" type="datetime1">
               <a:rPr lang="en-US" smtClean="0"/>
-              <a:pPr/>
-              <a:t>1/2/21</a:t>
+              <a:t>1/10/21</a:t>
             </a:fld>
             <a:endParaRPr lang="en-US"/>
           </a:p>
@@ -5295,7 +5296,13 @@
       </p:sp>
       <p:sp>
         <p:nvSpPr>
-          <p:cNvPr id="6" name="Footer Placeholder 5"/>
+          <p:cNvPr id="5" name="Footer Placeholder 4">
+            <a:extLst>
+              <a:ext uri="{FF2B5EF4-FFF2-40B4-BE49-F238E27FC236}">
+                <a16:creationId xmlns:a16="http://schemas.microsoft.com/office/drawing/2014/main" id="{29DCE148-D980-154B-9684-C50D6BEB273B}"/>
+              </a:ext>
+            </a:extLst>
+          </p:cNvPr>
           <p:cNvSpPr>
             <a:spLocks noGrp="1"/>
           </p:cNvSpPr>
@@ -5318,7 +5325,13 @@
       </p:sp>
       <p:sp>
         <p:nvSpPr>
-          <p:cNvPr id="5" name="Slide Number Placeholder 4"/>
+          <p:cNvPr id="6" name="Slide Number Placeholder 5">
+            <a:extLst>
+              <a:ext uri="{FF2B5EF4-FFF2-40B4-BE49-F238E27FC236}">
+                <a16:creationId xmlns:a16="http://schemas.microsoft.com/office/drawing/2014/main" id="{33DCF4DF-3086-7241-9E3A-23B95BA97DEB}"/>
+              </a:ext>
+            </a:extLst>
+          </p:cNvPr>
           <p:cNvSpPr>
             <a:spLocks noGrp="1"/>
           </p:cNvSpPr>
@@ -5336,14 +5349,61 @@
               <a:pPr/>
               <a:t>1</a:t>
             </a:fld>
-            <a:endParaRPr lang="en-US"/>
-          </a:p>
-        </p:txBody>
-      </p:sp>
+            <a:endParaRPr lang="en-US" dirty="0"/>
+          </a:p>
+        </p:txBody>
+      </p:sp>
+      <p:pic>
+        <p:nvPicPr>
+          <p:cNvPr id="1026" name="Picture 2" descr="Meme Maker - Attendance unicorn">
+            <a:extLst>
+              <a:ext uri="{FF2B5EF4-FFF2-40B4-BE49-F238E27FC236}">
+                <a16:creationId xmlns:a16="http://schemas.microsoft.com/office/drawing/2014/main" id="{1BC23D66-0A9A-7D42-9855-AEF8608B438E}"/>
+              </a:ext>
+            </a:extLst>
+          </p:cNvPr>
+          <p:cNvPicPr>
+            <a:picLocks noChangeAspect="1" noChangeArrowheads="1"/>
+          </p:cNvPicPr>
+          <p:nvPr/>
+        </p:nvPicPr>
+        <p:blipFill>
+          <a:blip r:embed="rId2">
+            <a:extLst>
+              <a:ext uri="{28A0092B-C50C-407E-A947-70E740481C1C}">
+                <a14:useLocalDpi xmlns:a14="http://schemas.microsoft.com/office/drawing/2010/main" val="0"/>
+              </a:ext>
+            </a:extLst>
+          </a:blip>
+          <a:srcRect/>
+          <a:stretch>
+            <a:fillRect/>
+          </a:stretch>
+        </p:blipFill>
+        <p:spPr bwMode="auto">
+          <a:xfrm>
+            <a:off x="1905000" y="1428750"/>
+            <a:ext cx="5334000" cy="4000500"/>
+          </a:xfrm>
+          <a:prstGeom prst="rect">
+            <a:avLst/>
+          </a:prstGeom>
+          <a:noFill/>
+          <a:extLst>
+            <a:ext uri="{909E8E84-426E-40DD-AFC4-6F175D3DCCD1}">
+              <a14:hiddenFill xmlns:a14="http://schemas.microsoft.com/office/drawing/2010/main">
+                <a:solidFill>
+                  <a:srgbClr val="FFFFFF"/>
+                </a:solidFill>
+              </a14:hiddenFill>
+            </a:ext>
+          </a:extLst>
+        </p:spPr>
+      </p:pic>
     </p:spTree>
     <p:extLst>
       <p:ext uri="{BB962C8B-B14F-4D97-AF65-F5344CB8AC3E}">
-        <p14:creationId xmlns:p14="http://schemas.microsoft.com/office/powerpoint/2010/main" val="1912304128"/>
+        <p14:creationId xmlns:p14="http://schemas.microsoft.com/office/powerpoint/2010/main" val="3395402324"/>
       </p:ext>
     </p:extLst>
   </p:cSld>
@@ -5388,7 +5448,7 @@
             <a:fld id="{6700A58B-DD98-43D0-B791-721480A02982}" type="datetime1">
               <a:rPr lang="en-US" smtClean="0"/>
               <a:pPr/>
-              <a:t>1/2/21</a:t>
+              <a:t>1/10/21</a:t>
             </a:fld>
             <a:endParaRPr lang="en-US"/>
           </a:p>
@@ -5404,21 +5464,16 @@
             <p:ph type="title"/>
           </p:nvPr>
         </p:nvSpPr>
-        <p:spPr>
-          <a:xfrm>
-            <a:off x="0" y="394623"/>
-            <a:ext cx="9144000" cy="591477"/>
-          </a:xfrm>
-        </p:spPr>
+        <p:spPr/>
         <p:txBody>
           <a:bodyPr/>
           <a:lstStyle/>
           <a:p>
             <a:r>
-              <a:rPr lang="en-US" sz="3200"/>
-              <a:t>The linear combination equation captures information</a:t>
-            </a:r>
-            <a:endParaRPr lang="en-US" sz="3200" dirty="0"/>
+              <a:rPr lang="en-US"/>
+              <a:t>Linear Regression for continuous outcomes</a:t>
+            </a:r>
+            <a:endParaRPr lang="en-US" dirty="0"/>
           </a:p>
         </p:txBody>
       </p:sp>
@@ -5445,1118 +5500,327 @@
           </a:p>
         </p:txBody>
       </p:sp>
-      <p:pic>
-        <p:nvPicPr>
-          <p:cNvPr id="6" name="Picture 4"/>
-          <p:cNvPicPr>
-            <a:picLocks noChangeAspect="1" noChangeArrowheads="1"/>
-          </p:cNvPicPr>
+      <p:grpSp>
+        <p:nvGrpSpPr>
+          <p:cNvPr id="11" name="Group 10"/>
+          <p:cNvGrpSpPr/>
           <p:nvPr/>
-        </p:nvPicPr>
-        <p:blipFill>
-          <a:blip r:embed="rId2">
-            <a:extLst>
-              <a:ext uri="{28A0092B-C50C-407E-A947-70E740481C1C}">
-                <a14:useLocalDpi xmlns:a14="http://schemas.microsoft.com/office/drawing/2010/main" val="0"/>
-              </a:ext>
-            </a:extLst>
-          </a:blip>
-          <a:srcRect/>
-          <a:stretch>
-            <a:fillRect/>
-          </a:stretch>
-        </p:blipFill>
-        <p:spPr bwMode="auto">
-          <a:xfrm>
-            <a:off x="1066800" y="3200400"/>
-            <a:ext cx="6251575" cy="838200"/>
+        </p:nvGrpSpPr>
+        <p:grpSpPr>
+          <a:xfrm>
+            <a:off x="762497" y="2101524"/>
+            <a:ext cx="7699860" cy="1884473"/>
+            <a:chOff x="629493" y="1419881"/>
+            <a:chExt cx="7699860" cy="1884473"/>
+          </a:xfrm>
+        </p:grpSpPr>
+        <p:pic>
+          <p:nvPicPr>
+            <p:cNvPr id="6" name="Shape 318"/>
+            <p:cNvPicPr preferRelativeResize="0"/>
+            <p:nvPr/>
+          </p:nvPicPr>
+          <p:blipFill>
+            <a:blip r:embed="rId3">
+              <a:alphaModFix/>
+            </a:blip>
+            <a:stretch>
+              <a:fillRect/>
+            </a:stretch>
+          </p:blipFill>
+          <p:spPr>
+            <a:xfrm>
+              <a:off x="872168" y="1419881"/>
+              <a:ext cx="867523" cy="1884473"/>
+            </a:xfrm>
+            <a:prstGeom prst="rect">
+              <a:avLst/>
+            </a:prstGeom>
+            <a:noFill/>
+            <a:ln>
+              <a:noFill/>
+            </a:ln>
+          </p:spPr>
+        </p:pic>
+        <mc:AlternateContent xmlns:mc="http://schemas.openxmlformats.org/markup-compatibility/2006" xmlns:a14="http://schemas.microsoft.com/office/drawing/2010/main">
+          <mc:Choice Requires="a14">
+            <p:sp>
+              <p:nvSpPr>
+                <p:cNvPr id="7" name="Shape 319"/>
+                <p:cNvSpPr txBox="1"/>
+                <p:nvPr/>
+              </p:nvSpPr>
+              <p:spPr>
+                <a:xfrm>
+                  <a:off x="1817393" y="2248718"/>
+                  <a:ext cx="6511960" cy="504600"/>
+                </a:xfrm>
+                <a:prstGeom prst="rect">
+                  <a:avLst/>
+                </a:prstGeom>
+                <a:noFill/>
+                <a:ln>
+                  <a:noFill/>
+                </a:ln>
+              </p:spPr>
+              <p:txBody>
+                <a:bodyPr lIns="91425" tIns="91425" rIns="91425" bIns="91425" anchor="t" anchorCtr="0">
+                  <a:noAutofit/>
+                </a:bodyPr>
+                <a:lstStyle/>
+                <a:p>
+                  <a:r>
+                    <a:rPr lang="en" sz="2000" dirty="0">
+                      <a:latin typeface="Open Sans"/>
+                      <a:ea typeface="Open Sans"/>
+                      <a:cs typeface="Open Sans"/>
+                      <a:sym typeface="Open Sans"/>
+                    </a:rPr>
+                    <a:t>=</a:t>
+                  </a:r>
+                  <a:r>
+                    <a:rPr lang="el-GR" sz="2000" dirty="0"/>
+                    <a:t> </a:t>
+                  </a:r>
+                  <a14:m>
+                    <m:oMath xmlns:m="http://schemas.openxmlformats.org/officeDocument/2006/math">
+                      <m:r>
+                        <a:rPr lang="el-GR" sz="2000" i="1">
+                          <a:latin typeface="Cambria Math" panose="02040503050406030204" pitchFamily="18" charset="0"/>
+                        </a:rPr>
+                        <m:t>𝛽</m:t>
+                      </m:r>
+                    </m:oMath>
+                  </a14:m>
+                  <a:r>
+                    <a:rPr lang="en" sz="2000" dirty="0">
+                      <a:latin typeface="Open Sans"/>
+                      <a:ea typeface="Open Sans"/>
+                      <a:cs typeface="Open Sans"/>
+                      <a:sym typeface="Open Sans"/>
+                    </a:rPr>
+                    <a:t> +</a:t>
+                  </a:r>
+                  <a:r>
+                    <a:rPr lang="el-GR" sz="2000" dirty="0"/>
+                    <a:t> </a:t>
+                  </a:r>
+                  <a:r>
+                    <a:rPr lang="en-US" sz="2000" dirty="0"/>
+                    <a:t>(</a:t>
+                  </a:r>
+                  <a14:m>
+                    <m:oMath xmlns:m="http://schemas.openxmlformats.org/officeDocument/2006/math">
+                      <m:r>
+                        <a:rPr lang="el-GR" sz="2000" i="1">
+                          <a:latin typeface="Cambria Math" panose="02040503050406030204" pitchFamily="18" charset="0"/>
+                        </a:rPr>
+                        <m:t>𝛽</m:t>
+                      </m:r>
+                    </m:oMath>
+                  </a14:m>
+                  <a:r>
+                    <a:rPr lang="en" sz="2000" dirty="0">
+                      <a:latin typeface="Open Sans"/>
+                      <a:ea typeface="Open Sans"/>
+                      <a:cs typeface="Open Sans"/>
+                      <a:sym typeface="Open Sans"/>
+                    </a:rPr>
+                    <a:t>*temperature) +</a:t>
+                  </a:r>
+                  <a:r>
+                    <a:rPr lang="el-GR" sz="2000" dirty="0"/>
+                    <a:t> </a:t>
+                  </a:r>
+                  <a:r>
+                    <a:rPr lang="en-US" sz="2000" dirty="0"/>
+                    <a:t>(</a:t>
+                  </a:r>
+                  <a14:m>
+                    <m:oMath xmlns:m="http://schemas.openxmlformats.org/officeDocument/2006/math">
+                      <m:r>
+                        <a:rPr lang="el-GR" sz="2000" i="1">
+                          <a:latin typeface="Cambria Math" panose="02040503050406030204" pitchFamily="18" charset="0"/>
+                        </a:rPr>
+                        <m:t>𝛽</m:t>
+                      </m:r>
+                    </m:oMath>
+                  </a14:m>
+                  <a:r>
+                    <a:rPr lang="en" sz="2000" dirty="0">
+                      <a:latin typeface="Open Sans"/>
+                      <a:ea typeface="Open Sans"/>
+                      <a:cs typeface="Open Sans"/>
+                      <a:sym typeface="Open Sans"/>
+                    </a:rPr>
+                    <a:t>*day) +</a:t>
+                  </a:r>
+                  <a:r>
+                    <a:rPr lang="el-GR" sz="2000" dirty="0"/>
+                    <a:t> </a:t>
+                  </a:r>
+                  <a:r>
+                    <a:rPr lang="en-US" sz="2000" dirty="0"/>
+                    <a:t>(</a:t>
+                  </a:r>
+                  <a14:m>
+                    <m:oMath xmlns:m="http://schemas.openxmlformats.org/officeDocument/2006/math">
+                      <m:r>
+                        <a:rPr lang="el-GR" sz="2000" i="1">
+                          <a:latin typeface="Cambria Math" panose="02040503050406030204" pitchFamily="18" charset="0"/>
+                        </a:rPr>
+                        <m:t>𝛽</m:t>
+                      </m:r>
+                    </m:oMath>
+                  </a14:m>
+                  <a:r>
+                    <a:rPr lang="en" sz="2000" dirty="0">
+                      <a:latin typeface="Open Sans"/>
+                      <a:ea typeface="Open Sans"/>
+                      <a:cs typeface="Open Sans"/>
+                      <a:sym typeface="Open Sans"/>
+                    </a:rPr>
+                    <a:t>*price) + error</a:t>
+                  </a:r>
+                </a:p>
+              </p:txBody>
+            </p:sp>
+          </mc:Choice>
+          <mc:Fallback xmlns="">
+            <p:sp>
+              <p:nvSpPr>
+                <p:cNvPr id="7" name="Shape 319"/>
+                <p:cNvSpPr txBox="1">
+                  <a:spLocks noRot="1" noChangeAspect="1" noMove="1" noResize="1" noEditPoints="1" noAdjustHandles="1" noChangeArrowheads="1" noChangeShapeType="1" noTextEdit="1"/>
+                </p:cNvSpPr>
+                <p:nvPr/>
+              </p:nvSpPr>
+              <p:spPr>
+                <a:xfrm>
+                  <a:off x="1817393" y="2248718"/>
+                  <a:ext cx="6511960" cy="504600"/>
+                </a:xfrm>
+                <a:prstGeom prst="rect">
+                  <a:avLst/>
+                </a:prstGeom>
+                <a:blipFill>
+                  <a:blip r:embed="rId4"/>
+                  <a:stretch>
+                    <a:fillRect l="-1030" b="-9756"/>
+                  </a:stretch>
+                </a:blipFill>
+                <a:ln>
+                  <a:noFill/>
+                </a:ln>
+              </p:spPr>
+              <p:txBody>
+                <a:bodyPr/>
+                <a:lstStyle/>
+                <a:p>
+                  <a:r>
+                    <a:rPr lang="en-US">
+                      <a:noFill/>
+                    </a:rPr>
+                    <a:t> </a:t>
+                  </a:r>
+                </a:p>
+              </p:txBody>
+            </p:sp>
+          </mc:Fallback>
+        </mc:AlternateContent>
+        <p:sp>
+          <p:nvSpPr>
+            <p:cNvPr id="8" name="Shape 320"/>
+            <p:cNvSpPr txBox="1"/>
+            <p:nvPr/>
+          </p:nvSpPr>
+          <p:spPr>
+            <a:xfrm>
+              <a:off x="629493" y="2248718"/>
+              <a:ext cx="412500" cy="504600"/>
+            </a:xfrm>
+            <a:prstGeom prst="rect">
+              <a:avLst/>
+            </a:prstGeom>
+            <a:noFill/>
+            <a:ln>
+              <a:noFill/>
+            </a:ln>
+          </p:spPr>
+          <p:txBody>
+            <a:bodyPr lIns="91425" tIns="91425" rIns="91425" bIns="91425" anchor="t" anchorCtr="0">
+              <a:noAutofit/>
+            </a:bodyPr>
+            <a:lstStyle/>
+            <a:p>
+              <a:r>
+                <a:rPr lang="en" sz="3000">
+                  <a:latin typeface="Open Sans"/>
+                  <a:ea typeface="Open Sans"/>
+                  <a:cs typeface="Open Sans"/>
+                  <a:sym typeface="Open Sans"/>
+                </a:rPr>
+                <a:t># </a:t>
+              </a:r>
+            </a:p>
+          </p:txBody>
+        </p:sp>
+      </p:grpSp>
+      <p:sp>
+        <p:nvSpPr>
+          <p:cNvPr id="10" name="Rectangle 9"/>
+          <p:cNvSpPr/>
+          <p:nvPr/>
+        </p:nvSpPr>
+        <p:spPr>
+          <a:xfrm>
+            <a:off x="706582" y="1273114"/>
+            <a:ext cx="7730837" cy="565266"/>
           </a:xfrm>
           <a:prstGeom prst="rect">
             <a:avLst/>
           </a:prstGeom>
-          <a:noFill/>
+          <a:solidFill>
+            <a:schemeClr val="accent2"/>
+          </a:solidFill>
           <a:ln>
             <a:noFill/>
           </a:ln>
-          <a:extLst>
-            <a:ext uri="{909E8E84-426E-40DD-AFC4-6F175D3DCCD1}">
-              <a14:hiddenFill xmlns:a14="http://schemas.microsoft.com/office/drawing/2010/main">
-                <a:solidFill>
-                  <a:srgbClr val="FFFFFF"/>
-                </a:solidFill>
-              </a14:hiddenFill>
-            </a:ext>
-            <a:ext uri="{91240B29-F687-4F45-9708-019B960494DF}">
-              <a14:hiddenLine xmlns:a14="http://schemas.microsoft.com/office/drawing/2010/main" w="9525">
-                <a:solidFill>
-                  <a:srgbClr val="000000"/>
-                </a:solidFill>
-                <a:miter lim="800000"/>
-                <a:headEnd/>
-                <a:tailEnd/>
-              </a14:hiddenLine>
-            </a:ext>
-          </a:extLst>
-        </p:spPr>
-      </p:pic>
-      <p:sp>
-        <p:nvSpPr>
-          <p:cNvPr id="7" name="TextBox 6"/>
-          <p:cNvSpPr txBox="1">
-            <a:spLocks noChangeArrowheads="1"/>
-          </p:cNvSpPr>
-          <p:nvPr/>
-        </p:nvSpPr>
-        <p:spPr bwMode="auto">
-          <a:xfrm>
-            <a:off x="762000" y="2743200"/>
-            <a:ext cx="1143000" cy="369888"/>
-          </a:xfrm>
-          <a:prstGeom prst="rect">
-            <a:avLst/>
-          </a:prstGeom>
-          <a:noFill/>
-          <a:ln>
-            <a:noFill/>
-          </a:ln>
-          <a:extLst>
-            <a:ext uri="{909E8E84-426E-40DD-AFC4-6F175D3DCCD1}">
-              <a14:hiddenFill xmlns:a14="http://schemas.microsoft.com/office/drawing/2010/main">
-                <a:solidFill>
-                  <a:srgbClr val="FFFFFF"/>
-                </a:solidFill>
-              </a14:hiddenFill>
-            </a:ext>
-            <a:ext uri="{91240B29-F687-4F45-9708-019B960494DF}">
-              <a14:hiddenLine xmlns:a14="http://schemas.microsoft.com/office/drawing/2010/main" w="9525">
-                <a:solidFill>
-                  <a:srgbClr val="000000"/>
-                </a:solidFill>
-                <a:miter lim="800000"/>
-                <a:headEnd/>
-                <a:tailEnd/>
-              </a14:hiddenLine>
-            </a:ext>
-          </a:extLst>
-        </p:spPr>
-        <p:txBody>
-          <a:bodyPr>
-            <a:spAutoFit/>
-          </a:bodyPr>
-          <a:lstStyle>
-            <a:lvl1pPr eaLnBrk="0" hangingPunct="0">
-              <a:defRPr>
-                <a:solidFill>
-                  <a:schemeClr val="tx1"/>
-                </a:solidFill>
-                <a:latin typeface="Arial" panose="020B0604020202020204" pitchFamily="34" charset="0"/>
-              </a:defRPr>
-            </a:lvl1pPr>
-            <a:lvl2pPr marL="742950" indent="-285750" eaLnBrk="0" hangingPunct="0">
-              <a:defRPr>
-                <a:solidFill>
-                  <a:schemeClr val="tx1"/>
-                </a:solidFill>
-                <a:latin typeface="Arial" panose="020B0604020202020204" pitchFamily="34" charset="0"/>
-              </a:defRPr>
-            </a:lvl2pPr>
-            <a:lvl3pPr marL="1143000" indent="-228600" eaLnBrk="0" hangingPunct="0">
-              <a:defRPr>
-                <a:solidFill>
-                  <a:schemeClr val="tx1"/>
-                </a:solidFill>
-                <a:latin typeface="Arial" panose="020B0604020202020204" pitchFamily="34" charset="0"/>
-              </a:defRPr>
-            </a:lvl3pPr>
-            <a:lvl4pPr marL="1600200" indent="-228600" eaLnBrk="0" hangingPunct="0">
-              <a:defRPr>
-                <a:solidFill>
-                  <a:schemeClr val="tx1"/>
-                </a:solidFill>
-                <a:latin typeface="Arial" panose="020B0604020202020204" pitchFamily="34" charset="0"/>
-              </a:defRPr>
-            </a:lvl4pPr>
-            <a:lvl5pPr marL="2057400" indent="-228600" eaLnBrk="0" hangingPunct="0">
-              <a:defRPr>
-                <a:solidFill>
-                  <a:schemeClr val="tx1"/>
-                </a:solidFill>
-                <a:latin typeface="Arial" panose="020B0604020202020204" pitchFamily="34" charset="0"/>
-              </a:defRPr>
-            </a:lvl5pPr>
-            <a:lvl6pPr marL="2514600" indent="-228600" eaLnBrk="0" fontAlgn="base" hangingPunct="0">
-              <a:spcBef>
-                <a:spcPct val="0"/>
-              </a:spcBef>
-              <a:spcAft>
-                <a:spcPct val="0"/>
-              </a:spcAft>
-              <a:defRPr>
-                <a:solidFill>
-                  <a:schemeClr val="tx1"/>
-                </a:solidFill>
-                <a:latin typeface="Arial" panose="020B0604020202020204" pitchFamily="34" charset="0"/>
-              </a:defRPr>
-            </a:lvl6pPr>
-            <a:lvl7pPr marL="2971800" indent="-228600" eaLnBrk="0" fontAlgn="base" hangingPunct="0">
-              <a:spcBef>
-                <a:spcPct val="0"/>
-              </a:spcBef>
-              <a:spcAft>
-                <a:spcPct val="0"/>
-              </a:spcAft>
-              <a:defRPr>
-                <a:solidFill>
-                  <a:schemeClr val="tx1"/>
-                </a:solidFill>
-                <a:latin typeface="Arial" panose="020B0604020202020204" pitchFamily="34" charset="0"/>
-              </a:defRPr>
-            </a:lvl7pPr>
-            <a:lvl8pPr marL="3429000" indent="-228600" eaLnBrk="0" fontAlgn="base" hangingPunct="0">
-              <a:spcBef>
-                <a:spcPct val="0"/>
-              </a:spcBef>
-              <a:spcAft>
-                <a:spcPct val="0"/>
-              </a:spcAft>
-              <a:defRPr>
-                <a:solidFill>
-                  <a:schemeClr val="tx1"/>
-                </a:solidFill>
-                <a:latin typeface="Arial" panose="020B0604020202020204" pitchFamily="34" charset="0"/>
-              </a:defRPr>
-            </a:lvl8pPr>
-            <a:lvl9pPr marL="3886200" indent="-228600" eaLnBrk="0" fontAlgn="base" hangingPunct="0">
-              <a:spcBef>
-                <a:spcPct val="0"/>
-              </a:spcBef>
-              <a:spcAft>
-                <a:spcPct val="0"/>
-              </a:spcAft>
-              <a:defRPr>
-                <a:solidFill>
-                  <a:schemeClr val="tx1"/>
-                </a:solidFill>
-                <a:latin typeface="Arial" panose="020B0604020202020204" pitchFamily="34" charset="0"/>
-              </a:defRPr>
-            </a:lvl9pPr>
-          </a:lstStyle>
-          <a:p>
-            <a:pPr eaLnBrk="1" hangingPunct="1"/>
-            <a:r>
-              <a:rPr lang="en-US" altLang="en-US"/>
-              <a:t>outcome</a:t>
-            </a:r>
-          </a:p>
-        </p:txBody>
-      </p:sp>
-      <p:sp>
-        <p:nvSpPr>
-          <p:cNvPr id="8" name="TextBox 7"/>
-          <p:cNvSpPr txBox="1">
-            <a:spLocks noChangeArrowheads="1"/>
-          </p:cNvSpPr>
-          <p:nvPr/>
-        </p:nvSpPr>
-        <p:spPr bwMode="auto">
-          <a:xfrm>
-            <a:off x="3810000" y="2667000"/>
-            <a:ext cx="1524000" cy="369888"/>
-          </a:xfrm>
-          <a:prstGeom prst="rect">
-            <a:avLst/>
-          </a:prstGeom>
-          <a:noFill/>
-          <a:ln>
-            <a:noFill/>
-          </a:ln>
-          <a:extLst>
-            <a:ext uri="{909E8E84-426E-40DD-AFC4-6F175D3DCCD1}">
-              <a14:hiddenFill xmlns:a14="http://schemas.microsoft.com/office/drawing/2010/main">
-                <a:solidFill>
-                  <a:srgbClr val="FFFFFF"/>
-                </a:solidFill>
-              </a14:hiddenFill>
-            </a:ext>
-            <a:ext uri="{91240B29-F687-4F45-9708-019B960494DF}">
-              <a14:hiddenLine xmlns:a14="http://schemas.microsoft.com/office/drawing/2010/main" w="9525">
-                <a:solidFill>
-                  <a:srgbClr val="000000"/>
-                </a:solidFill>
-                <a:miter lim="800000"/>
-                <a:headEnd/>
-                <a:tailEnd/>
-              </a14:hiddenLine>
-            </a:ext>
-          </a:extLst>
-        </p:spPr>
-        <p:txBody>
-          <a:bodyPr>
-            <a:spAutoFit/>
-          </a:bodyPr>
-          <a:lstStyle>
-            <a:lvl1pPr eaLnBrk="0" hangingPunct="0">
-              <a:defRPr>
-                <a:solidFill>
-                  <a:schemeClr val="tx1"/>
-                </a:solidFill>
-                <a:latin typeface="Arial" panose="020B0604020202020204" pitchFamily="34" charset="0"/>
-              </a:defRPr>
-            </a:lvl1pPr>
-            <a:lvl2pPr marL="742950" indent="-285750" eaLnBrk="0" hangingPunct="0">
-              <a:defRPr>
-                <a:solidFill>
-                  <a:schemeClr val="tx1"/>
-                </a:solidFill>
-                <a:latin typeface="Arial" panose="020B0604020202020204" pitchFamily="34" charset="0"/>
-              </a:defRPr>
-            </a:lvl2pPr>
-            <a:lvl3pPr marL="1143000" indent="-228600" eaLnBrk="0" hangingPunct="0">
-              <a:defRPr>
-                <a:solidFill>
-                  <a:schemeClr val="tx1"/>
-                </a:solidFill>
-                <a:latin typeface="Arial" panose="020B0604020202020204" pitchFamily="34" charset="0"/>
-              </a:defRPr>
-            </a:lvl3pPr>
-            <a:lvl4pPr marL="1600200" indent="-228600" eaLnBrk="0" hangingPunct="0">
-              <a:defRPr>
-                <a:solidFill>
-                  <a:schemeClr val="tx1"/>
-                </a:solidFill>
-                <a:latin typeface="Arial" panose="020B0604020202020204" pitchFamily="34" charset="0"/>
-              </a:defRPr>
-            </a:lvl4pPr>
-            <a:lvl5pPr marL="2057400" indent="-228600" eaLnBrk="0" hangingPunct="0">
-              <a:defRPr>
-                <a:solidFill>
-                  <a:schemeClr val="tx1"/>
-                </a:solidFill>
-                <a:latin typeface="Arial" panose="020B0604020202020204" pitchFamily="34" charset="0"/>
-              </a:defRPr>
-            </a:lvl5pPr>
-            <a:lvl6pPr marL="2514600" indent="-228600" eaLnBrk="0" fontAlgn="base" hangingPunct="0">
-              <a:spcBef>
-                <a:spcPct val="0"/>
-              </a:spcBef>
-              <a:spcAft>
-                <a:spcPct val="0"/>
-              </a:spcAft>
-              <a:defRPr>
-                <a:solidFill>
-                  <a:schemeClr val="tx1"/>
-                </a:solidFill>
-                <a:latin typeface="Arial" panose="020B0604020202020204" pitchFamily="34" charset="0"/>
-              </a:defRPr>
-            </a:lvl6pPr>
-            <a:lvl7pPr marL="2971800" indent="-228600" eaLnBrk="0" fontAlgn="base" hangingPunct="0">
-              <a:spcBef>
-                <a:spcPct val="0"/>
-              </a:spcBef>
-              <a:spcAft>
-                <a:spcPct val="0"/>
-              </a:spcAft>
-              <a:defRPr>
-                <a:solidFill>
-                  <a:schemeClr val="tx1"/>
-                </a:solidFill>
-                <a:latin typeface="Arial" panose="020B0604020202020204" pitchFamily="34" charset="0"/>
-              </a:defRPr>
-            </a:lvl7pPr>
-            <a:lvl8pPr marL="3429000" indent="-228600" eaLnBrk="0" fontAlgn="base" hangingPunct="0">
-              <a:spcBef>
-                <a:spcPct val="0"/>
-              </a:spcBef>
-              <a:spcAft>
-                <a:spcPct val="0"/>
-              </a:spcAft>
-              <a:defRPr>
-                <a:solidFill>
-                  <a:schemeClr val="tx1"/>
-                </a:solidFill>
-                <a:latin typeface="Arial" panose="020B0604020202020204" pitchFamily="34" charset="0"/>
-              </a:defRPr>
-            </a:lvl8pPr>
-            <a:lvl9pPr marL="3886200" indent="-228600" eaLnBrk="0" fontAlgn="base" hangingPunct="0">
-              <a:spcBef>
-                <a:spcPct val="0"/>
-              </a:spcBef>
-              <a:spcAft>
-                <a:spcPct val="0"/>
-              </a:spcAft>
-              <a:defRPr>
-                <a:solidFill>
-                  <a:schemeClr val="tx1"/>
-                </a:solidFill>
-                <a:latin typeface="Arial" panose="020B0604020202020204" pitchFamily="34" charset="0"/>
-              </a:defRPr>
-            </a:lvl9pPr>
-          </a:lstStyle>
-          <a:p>
-            <a:pPr eaLnBrk="1" hangingPunct="1"/>
-            <a:r>
-              <a:rPr lang="en-US" altLang="en-US"/>
-              <a:t>coefficients</a:t>
-            </a:r>
-          </a:p>
-        </p:txBody>
-      </p:sp>
-      <p:sp>
-        <p:nvSpPr>
-          <p:cNvPr id="9" name="TextBox 8"/>
-          <p:cNvSpPr txBox="1">
-            <a:spLocks noChangeArrowheads="1"/>
-          </p:cNvSpPr>
-          <p:nvPr/>
-        </p:nvSpPr>
-        <p:spPr bwMode="auto">
-          <a:xfrm>
-            <a:off x="1143000" y="4114800"/>
-            <a:ext cx="1219200" cy="369888"/>
-          </a:xfrm>
-          <a:prstGeom prst="rect">
-            <a:avLst/>
-          </a:prstGeom>
-          <a:noFill/>
-          <a:ln>
-            <a:noFill/>
-          </a:ln>
-          <a:extLst>
-            <a:ext uri="{909E8E84-426E-40DD-AFC4-6F175D3DCCD1}">
-              <a14:hiddenFill xmlns:a14="http://schemas.microsoft.com/office/drawing/2010/main">
-                <a:solidFill>
-                  <a:srgbClr val="FFFFFF"/>
-                </a:solidFill>
-              </a14:hiddenFill>
-            </a:ext>
-            <a:ext uri="{91240B29-F687-4F45-9708-019B960494DF}">
-              <a14:hiddenLine xmlns:a14="http://schemas.microsoft.com/office/drawing/2010/main" w="9525">
-                <a:solidFill>
-                  <a:srgbClr val="000000"/>
-                </a:solidFill>
-                <a:miter lim="800000"/>
-                <a:headEnd/>
-                <a:tailEnd/>
-              </a14:hiddenLine>
-            </a:ext>
-          </a:extLst>
-        </p:spPr>
-        <p:txBody>
-          <a:bodyPr>
-            <a:spAutoFit/>
-          </a:bodyPr>
-          <a:lstStyle>
-            <a:lvl1pPr eaLnBrk="0" hangingPunct="0">
-              <a:defRPr>
-                <a:solidFill>
-                  <a:schemeClr val="tx1"/>
-                </a:solidFill>
-                <a:latin typeface="Arial" panose="020B0604020202020204" pitchFamily="34" charset="0"/>
-              </a:defRPr>
-            </a:lvl1pPr>
-            <a:lvl2pPr marL="742950" indent="-285750" eaLnBrk="0" hangingPunct="0">
-              <a:defRPr>
-                <a:solidFill>
-                  <a:schemeClr val="tx1"/>
-                </a:solidFill>
-                <a:latin typeface="Arial" panose="020B0604020202020204" pitchFamily="34" charset="0"/>
-              </a:defRPr>
-            </a:lvl2pPr>
-            <a:lvl3pPr marL="1143000" indent="-228600" eaLnBrk="0" hangingPunct="0">
-              <a:defRPr>
-                <a:solidFill>
-                  <a:schemeClr val="tx1"/>
-                </a:solidFill>
-                <a:latin typeface="Arial" panose="020B0604020202020204" pitchFamily="34" charset="0"/>
-              </a:defRPr>
-            </a:lvl3pPr>
-            <a:lvl4pPr marL="1600200" indent="-228600" eaLnBrk="0" hangingPunct="0">
-              <a:defRPr>
-                <a:solidFill>
-                  <a:schemeClr val="tx1"/>
-                </a:solidFill>
-                <a:latin typeface="Arial" panose="020B0604020202020204" pitchFamily="34" charset="0"/>
-              </a:defRPr>
-            </a:lvl4pPr>
-            <a:lvl5pPr marL="2057400" indent="-228600" eaLnBrk="0" hangingPunct="0">
-              <a:defRPr>
-                <a:solidFill>
-                  <a:schemeClr val="tx1"/>
-                </a:solidFill>
-                <a:latin typeface="Arial" panose="020B0604020202020204" pitchFamily="34" charset="0"/>
-              </a:defRPr>
-            </a:lvl5pPr>
-            <a:lvl6pPr marL="2514600" indent="-228600" eaLnBrk="0" fontAlgn="base" hangingPunct="0">
-              <a:spcBef>
-                <a:spcPct val="0"/>
-              </a:spcBef>
-              <a:spcAft>
-                <a:spcPct val="0"/>
-              </a:spcAft>
-              <a:defRPr>
-                <a:solidFill>
-                  <a:schemeClr val="tx1"/>
-                </a:solidFill>
-                <a:latin typeface="Arial" panose="020B0604020202020204" pitchFamily="34" charset="0"/>
-              </a:defRPr>
-            </a:lvl6pPr>
-            <a:lvl7pPr marL="2971800" indent="-228600" eaLnBrk="0" fontAlgn="base" hangingPunct="0">
-              <a:spcBef>
-                <a:spcPct val="0"/>
-              </a:spcBef>
-              <a:spcAft>
-                <a:spcPct val="0"/>
-              </a:spcAft>
-              <a:defRPr>
-                <a:solidFill>
-                  <a:schemeClr val="tx1"/>
-                </a:solidFill>
-                <a:latin typeface="Arial" panose="020B0604020202020204" pitchFamily="34" charset="0"/>
-              </a:defRPr>
-            </a:lvl7pPr>
-            <a:lvl8pPr marL="3429000" indent="-228600" eaLnBrk="0" fontAlgn="base" hangingPunct="0">
-              <a:spcBef>
-                <a:spcPct val="0"/>
-              </a:spcBef>
-              <a:spcAft>
-                <a:spcPct val="0"/>
-              </a:spcAft>
-              <a:defRPr>
-                <a:solidFill>
-                  <a:schemeClr val="tx1"/>
-                </a:solidFill>
-                <a:latin typeface="Arial" panose="020B0604020202020204" pitchFamily="34" charset="0"/>
-              </a:defRPr>
-            </a:lvl8pPr>
-            <a:lvl9pPr marL="3886200" indent="-228600" eaLnBrk="0" fontAlgn="base" hangingPunct="0">
-              <a:spcBef>
-                <a:spcPct val="0"/>
-              </a:spcBef>
-              <a:spcAft>
-                <a:spcPct val="0"/>
-              </a:spcAft>
-              <a:defRPr>
-                <a:solidFill>
-                  <a:schemeClr val="tx1"/>
-                </a:solidFill>
-                <a:latin typeface="Arial" panose="020B0604020202020204" pitchFamily="34" charset="0"/>
-              </a:defRPr>
-            </a:lvl9pPr>
-          </a:lstStyle>
-          <a:p>
-            <a:pPr eaLnBrk="1" hangingPunct="1"/>
-            <a:r>
-              <a:rPr lang="en-US" altLang="en-US"/>
-              <a:t>constant</a:t>
-            </a:r>
-          </a:p>
-        </p:txBody>
-      </p:sp>
-      <p:sp>
-        <p:nvSpPr>
-          <p:cNvPr id="10" name="TextBox 10"/>
-          <p:cNvSpPr txBox="1">
-            <a:spLocks noChangeArrowheads="1"/>
-          </p:cNvSpPr>
-          <p:nvPr/>
-        </p:nvSpPr>
-        <p:spPr bwMode="auto">
-          <a:xfrm>
-            <a:off x="3733800" y="4800600"/>
-            <a:ext cx="1600200" cy="369888"/>
-          </a:xfrm>
-          <a:prstGeom prst="rect">
-            <a:avLst/>
-          </a:prstGeom>
-          <a:noFill/>
-          <a:ln>
-            <a:noFill/>
-          </a:ln>
-          <a:extLst>
-            <a:ext uri="{909E8E84-426E-40DD-AFC4-6F175D3DCCD1}">
-              <a14:hiddenFill xmlns:a14="http://schemas.microsoft.com/office/drawing/2010/main">
-                <a:solidFill>
-                  <a:srgbClr val="FFFFFF"/>
-                </a:solidFill>
-              </a14:hiddenFill>
-            </a:ext>
-            <a:ext uri="{91240B29-F687-4F45-9708-019B960494DF}">
-              <a14:hiddenLine xmlns:a14="http://schemas.microsoft.com/office/drawing/2010/main" w="9525">
-                <a:solidFill>
-                  <a:srgbClr val="000000"/>
-                </a:solidFill>
-                <a:miter lim="800000"/>
-                <a:headEnd/>
-                <a:tailEnd/>
-              </a14:hiddenLine>
-            </a:ext>
-          </a:extLst>
-        </p:spPr>
-        <p:txBody>
-          <a:bodyPr>
-            <a:spAutoFit/>
-          </a:bodyPr>
-          <a:lstStyle>
-            <a:lvl1pPr eaLnBrk="0" hangingPunct="0">
-              <a:defRPr>
-                <a:solidFill>
-                  <a:schemeClr val="tx1"/>
-                </a:solidFill>
-                <a:latin typeface="Arial" panose="020B0604020202020204" pitchFamily="34" charset="0"/>
-              </a:defRPr>
-            </a:lvl1pPr>
-            <a:lvl2pPr marL="742950" indent="-285750" eaLnBrk="0" hangingPunct="0">
-              <a:defRPr>
-                <a:solidFill>
-                  <a:schemeClr val="tx1"/>
-                </a:solidFill>
-                <a:latin typeface="Arial" panose="020B0604020202020204" pitchFamily="34" charset="0"/>
-              </a:defRPr>
-            </a:lvl2pPr>
-            <a:lvl3pPr marL="1143000" indent="-228600" eaLnBrk="0" hangingPunct="0">
-              <a:defRPr>
-                <a:solidFill>
-                  <a:schemeClr val="tx1"/>
-                </a:solidFill>
-                <a:latin typeface="Arial" panose="020B0604020202020204" pitchFamily="34" charset="0"/>
-              </a:defRPr>
-            </a:lvl3pPr>
-            <a:lvl4pPr marL="1600200" indent="-228600" eaLnBrk="0" hangingPunct="0">
-              <a:defRPr>
-                <a:solidFill>
-                  <a:schemeClr val="tx1"/>
-                </a:solidFill>
-                <a:latin typeface="Arial" panose="020B0604020202020204" pitchFamily="34" charset="0"/>
-              </a:defRPr>
-            </a:lvl4pPr>
-            <a:lvl5pPr marL="2057400" indent="-228600" eaLnBrk="0" hangingPunct="0">
-              <a:defRPr>
-                <a:solidFill>
-                  <a:schemeClr val="tx1"/>
-                </a:solidFill>
-                <a:latin typeface="Arial" panose="020B0604020202020204" pitchFamily="34" charset="0"/>
-              </a:defRPr>
-            </a:lvl5pPr>
-            <a:lvl6pPr marL="2514600" indent="-228600" eaLnBrk="0" fontAlgn="base" hangingPunct="0">
-              <a:spcBef>
-                <a:spcPct val="0"/>
-              </a:spcBef>
-              <a:spcAft>
-                <a:spcPct val="0"/>
-              </a:spcAft>
-              <a:defRPr>
-                <a:solidFill>
-                  <a:schemeClr val="tx1"/>
-                </a:solidFill>
-                <a:latin typeface="Arial" panose="020B0604020202020204" pitchFamily="34" charset="0"/>
-              </a:defRPr>
-            </a:lvl6pPr>
-            <a:lvl7pPr marL="2971800" indent="-228600" eaLnBrk="0" fontAlgn="base" hangingPunct="0">
-              <a:spcBef>
-                <a:spcPct val="0"/>
-              </a:spcBef>
-              <a:spcAft>
-                <a:spcPct val="0"/>
-              </a:spcAft>
-              <a:defRPr>
-                <a:solidFill>
-                  <a:schemeClr val="tx1"/>
-                </a:solidFill>
-                <a:latin typeface="Arial" panose="020B0604020202020204" pitchFamily="34" charset="0"/>
-              </a:defRPr>
-            </a:lvl7pPr>
-            <a:lvl8pPr marL="3429000" indent="-228600" eaLnBrk="0" fontAlgn="base" hangingPunct="0">
-              <a:spcBef>
-                <a:spcPct val="0"/>
-              </a:spcBef>
-              <a:spcAft>
-                <a:spcPct val="0"/>
-              </a:spcAft>
-              <a:defRPr>
-                <a:solidFill>
-                  <a:schemeClr val="tx1"/>
-                </a:solidFill>
-                <a:latin typeface="Arial" panose="020B0604020202020204" pitchFamily="34" charset="0"/>
-              </a:defRPr>
-            </a:lvl8pPr>
-            <a:lvl9pPr marL="3886200" indent="-228600" eaLnBrk="0" fontAlgn="base" hangingPunct="0">
-              <a:spcBef>
-                <a:spcPct val="0"/>
-              </a:spcBef>
-              <a:spcAft>
-                <a:spcPct val="0"/>
-              </a:spcAft>
-              <a:defRPr>
-                <a:solidFill>
-                  <a:schemeClr val="tx1"/>
-                </a:solidFill>
-                <a:latin typeface="Arial" panose="020B0604020202020204" pitchFamily="34" charset="0"/>
-              </a:defRPr>
-            </a:lvl9pPr>
-          </a:lstStyle>
-          <a:p>
-            <a:pPr eaLnBrk="1" hangingPunct="1"/>
-            <a:r>
-              <a:rPr lang="en-US" altLang="en-US"/>
-              <a:t>predictors</a:t>
-            </a:r>
-          </a:p>
-        </p:txBody>
-      </p:sp>
-      <p:sp>
-        <p:nvSpPr>
-          <p:cNvPr id="11" name="TextBox 11"/>
-          <p:cNvSpPr txBox="1">
-            <a:spLocks noChangeArrowheads="1"/>
-          </p:cNvSpPr>
-          <p:nvPr/>
-        </p:nvSpPr>
-        <p:spPr bwMode="auto">
-          <a:xfrm>
-            <a:off x="6781800" y="4191000"/>
-            <a:ext cx="1676400" cy="369888"/>
-          </a:xfrm>
-          <a:prstGeom prst="rect">
-            <a:avLst/>
-          </a:prstGeom>
-          <a:noFill/>
-          <a:ln>
-            <a:noFill/>
-          </a:ln>
-          <a:extLst>
-            <a:ext uri="{909E8E84-426E-40DD-AFC4-6F175D3DCCD1}">
-              <a14:hiddenFill xmlns:a14="http://schemas.microsoft.com/office/drawing/2010/main">
-                <a:solidFill>
-                  <a:srgbClr val="FFFFFF"/>
-                </a:solidFill>
-              </a14:hiddenFill>
-            </a:ext>
-            <a:ext uri="{91240B29-F687-4F45-9708-019B960494DF}">
-              <a14:hiddenLine xmlns:a14="http://schemas.microsoft.com/office/drawing/2010/main" w="9525">
-                <a:solidFill>
-                  <a:srgbClr val="000000"/>
-                </a:solidFill>
-                <a:miter lim="800000"/>
-                <a:headEnd/>
-                <a:tailEnd/>
-              </a14:hiddenLine>
-            </a:ext>
-          </a:extLst>
-        </p:spPr>
-        <p:txBody>
-          <a:bodyPr>
-            <a:spAutoFit/>
-          </a:bodyPr>
-          <a:lstStyle>
-            <a:lvl1pPr eaLnBrk="0" hangingPunct="0">
-              <a:defRPr>
-                <a:solidFill>
-                  <a:schemeClr val="tx1"/>
-                </a:solidFill>
-                <a:latin typeface="Arial" panose="020B0604020202020204" pitchFamily="34" charset="0"/>
-              </a:defRPr>
-            </a:lvl1pPr>
-            <a:lvl2pPr marL="742950" indent="-285750" eaLnBrk="0" hangingPunct="0">
-              <a:defRPr>
-                <a:solidFill>
-                  <a:schemeClr val="tx1"/>
-                </a:solidFill>
-                <a:latin typeface="Arial" panose="020B0604020202020204" pitchFamily="34" charset="0"/>
-              </a:defRPr>
-            </a:lvl2pPr>
-            <a:lvl3pPr marL="1143000" indent="-228600" eaLnBrk="0" hangingPunct="0">
-              <a:defRPr>
-                <a:solidFill>
-                  <a:schemeClr val="tx1"/>
-                </a:solidFill>
-                <a:latin typeface="Arial" panose="020B0604020202020204" pitchFamily="34" charset="0"/>
-              </a:defRPr>
-            </a:lvl3pPr>
-            <a:lvl4pPr marL="1600200" indent="-228600" eaLnBrk="0" hangingPunct="0">
-              <a:defRPr>
-                <a:solidFill>
-                  <a:schemeClr val="tx1"/>
-                </a:solidFill>
-                <a:latin typeface="Arial" panose="020B0604020202020204" pitchFamily="34" charset="0"/>
-              </a:defRPr>
-            </a:lvl4pPr>
-            <a:lvl5pPr marL="2057400" indent="-228600" eaLnBrk="0" hangingPunct="0">
-              <a:defRPr>
-                <a:solidFill>
-                  <a:schemeClr val="tx1"/>
-                </a:solidFill>
-                <a:latin typeface="Arial" panose="020B0604020202020204" pitchFamily="34" charset="0"/>
-              </a:defRPr>
-            </a:lvl5pPr>
-            <a:lvl6pPr marL="2514600" indent="-228600" eaLnBrk="0" fontAlgn="base" hangingPunct="0">
-              <a:spcBef>
-                <a:spcPct val="0"/>
-              </a:spcBef>
-              <a:spcAft>
-                <a:spcPct val="0"/>
-              </a:spcAft>
-              <a:defRPr>
-                <a:solidFill>
-                  <a:schemeClr val="tx1"/>
-                </a:solidFill>
-                <a:latin typeface="Arial" panose="020B0604020202020204" pitchFamily="34" charset="0"/>
-              </a:defRPr>
-            </a:lvl6pPr>
-            <a:lvl7pPr marL="2971800" indent="-228600" eaLnBrk="0" fontAlgn="base" hangingPunct="0">
-              <a:spcBef>
-                <a:spcPct val="0"/>
-              </a:spcBef>
-              <a:spcAft>
-                <a:spcPct val="0"/>
-              </a:spcAft>
-              <a:defRPr>
-                <a:solidFill>
-                  <a:schemeClr val="tx1"/>
-                </a:solidFill>
-                <a:latin typeface="Arial" panose="020B0604020202020204" pitchFamily="34" charset="0"/>
-              </a:defRPr>
-            </a:lvl7pPr>
-            <a:lvl8pPr marL="3429000" indent="-228600" eaLnBrk="0" fontAlgn="base" hangingPunct="0">
-              <a:spcBef>
-                <a:spcPct val="0"/>
-              </a:spcBef>
-              <a:spcAft>
-                <a:spcPct val="0"/>
-              </a:spcAft>
-              <a:defRPr>
-                <a:solidFill>
-                  <a:schemeClr val="tx1"/>
-                </a:solidFill>
-                <a:latin typeface="Arial" panose="020B0604020202020204" pitchFamily="34" charset="0"/>
-              </a:defRPr>
-            </a:lvl8pPr>
-            <a:lvl9pPr marL="3886200" indent="-228600" eaLnBrk="0" fontAlgn="base" hangingPunct="0">
-              <a:spcBef>
-                <a:spcPct val="0"/>
-              </a:spcBef>
-              <a:spcAft>
-                <a:spcPct val="0"/>
-              </a:spcAft>
-              <a:defRPr>
-                <a:solidFill>
-                  <a:schemeClr val="tx1"/>
-                </a:solidFill>
-                <a:latin typeface="Arial" panose="020B0604020202020204" pitchFamily="34" charset="0"/>
-              </a:defRPr>
-            </a:lvl9pPr>
-          </a:lstStyle>
-          <a:p>
-            <a:pPr eaLnBrk="1" hangingPunct="1"/>
-            <a:r>
-              <a:rPr lang="en-US" altLang="en-US"/>
-              <a:t>error (noise)</a:t>
+        </p:spPr>
+        <p:style>
+          <a:lnRef idx="2">
+            <a:schemeClr val="accent1">
+              <a:shade val="50000"/>
+            </a:schemeClr>
+          </a:lnRef>
+          <a:fillRef idx="1">
+            <a:schemeClr val="accent1"/>
+          </a:fillRef>
+          <a:effectRef idx="0">
+            <a:schemeClr val="accent1"/>
+          </a:effectRef>
+          <a:fontRef idx="minor">
+            <a:schemeClr val="lt1"/>
+          </a:fontRef>
+        </p:style>
+        <p:txBody>
+          <a:bodyPr rtlCol="0" anchor="ctr"/>
+          <a:lstStyle/>
+          <a:p>
+            <a:pPr algn="ctr"/>
+            <a:r>
+              <a:rPr lang="en-US" dirty="0"/>
+              <a:t>Some linear combination of temperature values, day of the week dummy variables and price estimate the number of cones that will sell.</a:t>
             </a:r>
           </a:p>
         </p:txBody>
       </p:sp>
       <p:cxnSp>
         <p:nvCxnSpPr>
-          <p:cNvPr id="12" name="Straight Arrow Connector 11"/>
-          <p:cNvCxnSpPr/>
-          <p:nvPr/>
-        </p:nvCxnSpPr>
-        <p:spPr>
-          <a:xfrm>
-            <a:off x="1447800" y="3124200"/>
-            <a:ext cx="152400" cy="304800"/>
-          </a:xfrm>
-          <a:prstGeom prst="straightConnector1">
-            <a:avLst/>
-          </a:prstGeom>
-          <a:ln>
-            <a:tailEnd type="arrow"/>
-          </a:ln>
-        </p:spPr>
-        <p:style>
-          <a:lnRef idx="1">
-            <a:schemeClr val="accent1"/>
-          </a:lnRef>
-          <a:fillRef idx="0">
-            <a:schemeClr val="accent1"/>
-          </a:fillRef>
-          <a:effectRef idx="0">
-            <a:schemeClr val="accent1"/>
-          </a:effectRef>
-          <a:fontRef idx="minor">
-            <a:schemeClr val="tx1"/>
-          </a:fontRef>
-        </p:style>
-      </p:cxnSp>
-      <p:cxnSp>
-        <p:nvCxnSpPr>
-          <p:cNvPr id="13" name="Straight Arrow Connector 12"/>
-          <p:cNvCxnSpPr/>
-          <p:nvPr/>
-        </p:nvCxnSpPr>
-        <p:spPr>
-          <a:xfrm flipH="1">
-            <a:off x="3124200" y="3124200"/>
-            <a:ext cx="838200" cy="304800"/>
-          </a:xfrm>
-          <a:prstGeom prst="straightConnector1">
-            <a:avLst/>
-          </a:prstGeom>
-          <a:ln>
-            <a:tailEnd type="arrow"/>
-          </a:ln>
-        </p:spPr>
-        <p:style>
-          <a:lnRef idx="1">
-            <a:schemeClr val="accent1"/>
-          </a:lnRef>
-          <a:fillRef idx="0">
-            <a:schemeClr val="accent1"/>
-          </a:fillRef>
-          <a:effectRef idx="0">
-            <a:schemeClr val="accent1"/>
-          </a:effectRef>
-          <a:fontRef idx="minor">
-            <a:schemeClr val="tx1"/>
-          </a:fontRef>
-        </p:style>
-      </p:cxnSp>
-      <p:cxnSp>
-        <p:nvCxnSpPr>
-          <p:cNvPr id="14" name="Straight Arrow Connector 13"/>
-          <p:cNvCxnSpPr/>
-          <p:nvPr/>
-        </p:nvCxnSpPr>
-        <p:spPr>
-          <a:xfrm flipH="1">
-            <a:off x="4114800" y="3124200"/>
-            <a:ext cx="152400" cy="304800"/>
-          </a:xfrm>
-          <a:prstGeom prst="straightConnector1">
-            <a:avLst/>
-          </a:prstGeom>
-          <a:ln>
-            <a:tailEnd type="arrow"/>
-          </a:ln>
-        </p:spPr>
-        <p:style>
-          <a:lnRef idx="1">
-            <a:schemeClr val="accent1"/>
-          </a:lnRef>
-          <a:fillRef idx="0">
-            <a:schemeClr val="accent1"/>
-          </a:fillRef>
-          <a:effectRef idx="0">
-            <a:schemeClr val="accent1"/>
-          </a:effectRef>
-          <a:fontRef idx="minor">
-            <a:schemeClr val="tx1"/>
-          </a:fontRef>
-        </p:style>
-      </p:cxnSp>
-      <p:cxnSp>
-        <p:nvCxnSpPr>
-          <p:cNvPr id="15" name="Straight Arrow Connector 14"/>
-          <p:cNvCxnSpPr/>
-          <p:nvPr/>
-        </p:nvCxnSpPr>
-        <p:spPr>
-          <a:xfrm>
-            <a:off x="4876800" y="3124200"/>
-            <a:ext cx="762000" cy="304800"/>
-          </a:xfrm>
-          <a:prstGeom prst="straightConnector1">
-            <a:avLst/>
-          </a:prstGeom>
-          <a:ln>
-            <a:tailEnd type="arrow"/>
-          </a:ln>
-        </p:spPr>
-        <p:style>
-          <a:lnRef idx="1">
-            <a:schemeClr val="accent1"/>
-          </a:lnRef>
-          <a:fillRef idx="0">
-            <a:schemeClr val="accent1"/>
-          </a:fillRef>
-          <a:effectRef idx="0">
-            <a:schemeClr val="accent1"/>
-          </a:effectRef>
-          <a:fontRef idx="minor">
-            <a:schemeClr val="tx1"/>
-          </a:fontRef>
-        </p:style>
-      </p:cxnSp>
-      <p:cxnSp>
-        <p:nvCxnSpPr>
-          <p:cNvPr id="16" name="Straight Arrow Connector 15"/>
-          <p:cNvCxnSpPr/>
-          <p:nvPr/>
-        </p:nvCxnSpPr>
-        <p:spPr>
-          <a:xfrm flipH="1" flipV="1">
-            <a:off x="3352800" y="3810000"/>
-            <a:ext cx="533400" cy="990600"/>
-          </a:xfrm>
-          <a:prstGeom prst="straightConnector1">
-            <a:avLst/>
-          </a:prstGeom>
-          <a:ln>
-            <a:tailEnd type="arrow"/>
-          </a:ln>
-        </p:spPr>
-        <p:style>
-          <a:lnRef idx="1">
-            <a:schemeClr val="accent1"/>
-          </a:lnRef>
-          <a:fillRef idx="0">
-            <a:schemeClr val="accent1"/>
-          </a:fillRef>
-          <a:effectRef idx="0">
-            <a:schemeClr val="accent1"/>
-          </a:effectRef>
-          <a:fontRef idx="minor">
-            <a:schemeClr val="tx1"/>
-          </a:fontRef>
-        </p:style>
-      </p:cxnSp>
-      <p:cxnSp>
-        <p:nvCxnSpPr>
-          <p:cNvPr id="17" name="Straight Arrow Connector 16"/>
-          <p:cNvCxnSpPr/>
-          <p:nvPr/>
-        </p:nvCxnSpPr>
-        <p:spPr>
-          <a:xfrm flipV="1">
-            <a:off x="4267200" y="3810000"/>
-            <a:ext cx="76200" cy="990600"/>
-          </a:xfrm>
-          <a:prstGeom prst="straightConnector1">
-            <a:avLst/>
-          </a:prstGeom>
-          <a:ln>
-            <a:tailEnd type="arrow"/>
-          </a:ln>
-        </p:spPr>
-        <p:style>
-          <a:lnRef idx="1">
-            <a:schemeClr val="accent1"/>
-          </a:lnRef>
-          <a:fillRef idx="0">
-            <a:schemeClr val="accent1"/>
-          </a:fillRef>
-          <a:effectRef idx="0">
-            <a:schemeClr val="accent1"/>
-          </a:effectRef>
-          <a:fontRef idx="minor">
-            <a:schemeClr val="tx1"/>
-          </a:fontRef>
-        </p:style>
-      </p:cxnSp>
-      <p:cxnSp>
-        <p:nvCxnSpPr>
-          <p:cNvPr id="18" name="Straight Arrow Connector 17"/>
-          <p:cNvCxnSpPr/>
-          <p:nvPr/>
-        </p:nvCxnSpPr>
-        <p:spPr>
-          <a:xfrm flipV="1">
-            <a:off x="4800600" y="3810000"/>
-            <a:ext cx="838200" cy="990600"/>
-          </a:xfrm>
-          <a:prstGeom prst="straightConnector1">
-            <a:avLst/>
-          </a:prstGeom>
-          <a:ln>
-            <a:tailEnd type="arrow"/>
-          </a:ln>
-        </p:spPr>
-        <p:style>
-          <a:lnRef idx="1">
-            <a:schemeClr val="accent1"/>
-          </a:lnRef>
-          <a:fillRef idx="0">
-            <a:schemeClr val="accent1"/>
-          </a:fillRef>
-          <a:effectRef idx="0">
-            <a:schemeClr val="accent1"/>
-          </a:effectRef>
-          <a:fontRef idx="minor">
-            <a:schemeClr val="tx1"/>
-          </a:fontRef>
-        </p:style>
-      </p:cxnSp>
-      <p:cxnSp>
-        <p:nvCxnSpPr>
-          <p:cNvPr id="19" name="Straight Arrow Connector 18"/>
-          <p:cNvCxnSpPr/>
-          <p:nvPr/>
-        </p:nvCxnSpPr>
-        <p:spPr>
-          <a:xfrm flipV="1">
-            <a:off x="1981200" y="3810000"/>
-            <a:ext cx="304800" cy="304800"/>
-          </a:xfrm>
-          <a:prstGeom prst="straightConnector1">
-            <a:avLst/>
-          </a:prstGeom>
-          <a:ln>
-            <a:tailEnd type="arrow"/>
-          </a:ln>
-        </p:spPr>
-        <p:style>
-          <a:lnRef idx="1">
-            <a:schemeClr val="accent1"/>
-          </a:lnRef>
-          <a:fillRef idx="0">
-            <a:schemeClr val="accent1"/>
-          </a:fillRef>
-          <a:effectRef idx="0">
-            <a:schemeClr val="accent1"/>
-          </a:effectRef>
-          <a:fontRef idx="minor">
-            <a:schemeClr val="tx1"/>
-          </a:fontRef>
-        </p:style>
-      </p:cxnSp>
-      <p:cxnSp>
-        <p:nvCxnSpPr>
-          <p:cNvPr id="20" name="Straight Arrow Connector 19"/>
-          <p:cNvCxnSpPr/>
-          <p:nvPr/>
-        </p:nvCxnSpPr>
-        <p:spPr>
-          <a:xfrm flipH="1" flipV="1">
-            <a:off x="6781800" y="3810000"/>
-            <a:ext cx="304800" cy="304800"/>
-          </a:xfrm>
-          <a:prstGeom prst="straightConnector1">
-            <a:avLst/>
-          </a:prstGeom>
-          <a:ln>
-            <a:tailEnd type="arrow"/>
-          </a:ln>
-        </p:spPr>
-        <p:style>
-          <a:lnRef idx="1">
-            <a:schemeClr val="accent1"/>
-          </a:lnRef>
-          <a:fillRef idx="0">
-            <a:schemeClr val="accent1"/>
-          </a:fillRef>
-          <a:effectRef idx="0">
-            <a:schemeClr val="accent1"/>
-          </a:effectRef>
-          <a:fontRef idx="minor">
-            <a:schemeClr val="tx1"/>
-          </a:fontRef>
-        </p:style>
-      </p:cxnSp>
-      <p:cxnSp>
-        <p:nvCxnSpPr>
-          <p:cNvPr id="21" name="Straight Connector 20">
+          <p:cNvPr id="12" name="Straight Connector 11">
             <a:extLst>
               <a:ext uri="{FF2B5EF4-FFF2-40B4-BE49-F238E27FC236}">
-                <a16:creationId xmlns:a16="http://schemas.microsoft.com/office/drawing/2014/main" id="{C5CEAD72-6A90-B14E-BDC8-D99A947BC602}"/>
+                <a16:creationId xmlns:a16="http://schemas.microsoft.com/office/drawing/2014/main" id="{BCDC043C-207D-2947-9E57-1C3168916201}"/>
               </a:ext>
             </a:extLst>
           </p:cNvPr>
@@ -6596,10 +5860,10 @@
       </p:cxnSp>
       <p:cxnSp>
         <p:nvCxnSpPr>
-          <p:cNvPr id="22" name="Straight Connector 21">
+          <p:cNvPr id="13" name="Straight Connector 12">
             <a:extLst>
               <a:ext uri="{FF2B5EF4-FFF2-40B4-BE49-F238E27FC236}">
-                <a16:creationId xmlns:a16="http://schemas.microsoft.com/office/drawing/2014/main" id="{A37E0CA4-7D82-764E-9AC0-55FB214F9D2E}"/>
+                <a16:creationId xmlns:a16="http://schemas.microsoft.com/office/drawing/2014/main" id="{A0EED5C9-95AE-044F-B86E-30B4AD8F104A}"/>
               </a:ext>
             </a:extLst>
           </p:cNvPr>
@@ -6639,10 +5903,10 @@
       </p:cxnSp>
       <p:sp>
         <p:nvSpPr>
-          <p:cNvPr id="23" name="Footer Placeholder 3">
+          <p:cNvPr id="14" name="Footer Placeholder 3">
             <a:extLst>
               <a:ext uri="{FF2B5EF4-FFF2-40B4-BE49-F238E27FC236}">
-                <a16:creationId xmlns:a16="http://schemas.microsoft.com/office/drawing/2014/main" id="{CDC3374E-1788-B143-BE2F-6AA84309610E}"/>
+                <a16:creationId xmlns:a16="http://schemas.microsoft.com/office/drawing/2014/main" id="{331D7645-8D6C-624A-9733-7A078E58F7DB}"/>
               </a:ext>
             </a:extLst>
           </p:cNvPr>
@@ -6674,7 +5938,7 @@
     </p:spTree>
     <p:extLst>
       <p:ext uri="{BB962C8B-B14F-4D97-AF65-F5344CB8AC3E}">
-        <p14:creationId xmlns:p14="http://schemas.microsoft.com/office/powerpoint/2010/main" val="751153984"/>
+        <p14:creationId xmlns:p14="http://schemas.microsoft.com/office/powerpoint/2010/main" val="3556059953"/>
       </p:ext>
     </p:extLst>
   </p:cSld>
@@ -6703,6 +5967,1337 @@
       </p:grpSpPr>
       <p:sp>
         <p:nvSpPr>
+          <p:cNvPr id="2" name="Date Placeholder 1"/>
+          <p:cNvSpPr>
+            <a:spLocks noGrp="1"/>
+          </p:cNvSpPr>
+          <p:nvPr>
+            <p:ph type="dt" sz="half" idx="10"/>
+          </p:nvPr>
+        </p:nvSpPr>
+        <p:spPr/>
+        <p:txBody>
+          <a:bodyPr/>
+          <a:lstStyle/>
+          <a:p>
+            <a:fld id="{6700A58B-DD98-43D0-B791-721480A02982}" type="datetime1">
+              <a:rPr lang="en-US" smtClean="0"/>
+              <a:pPr/>
+              <a:t>1/10/21</a:t>
+            </a:fld>
+            <a:endParaRPr lang="en-US"/>
+          </a:p>
+        </p:txBody>
+      </p:sp>
+      <p:sp>
+        <p:nvSpPr>
+          <p:cNvPr id="3" name="Title 2"/>
+          <p:cNvSpPr>
+            <a:spLocks noGrp="1"/>
+          </p:cNvSpPr>
+          <p:nvPr>
+            <p:ph type="title"/>
+          </p:nvPr>
+        </p:nvSpPr>
+        <p:spPr>
+          <a:xfrm>
+            <a:off x="0" y="394623"/>
+            <a:ext cx="9144000" cy="591477"/>
+          </a:xfrm>
+        </p:spPr>
+        <p:txBody>
+          <a:bodyPr/>
+          <a:lstStyle/>
+          <a:p>
+            <a:r>
+              <a:rPr lang="en-US" sz="3200"/>
+              <a:t>The linear combination equation captures information</a:t>
+            </a:r>
+            <a:endParaRPr lang="en-US" sz="3200" dirty="0"/>
+          </a:p>
+        </p:txBody>
+      </p:sp>
+      <p:sp>
+        <p:nvSpPr>
+          <p:cNvPr id="4" name="Slide Number Placeholder 3"/>
+          <p:cNvSpPr>
+            <a:spLocks noGrp="1"/>
+          </p:cNvSpPr>
+          <p:nvPr>
+            <p:ph type="sldNum" sz="quarter" idx="4294967295"/>
+          </p:nvPr>
+        </p:nvSpPr>
+        <p:spPr/>
+        <p:txBody>
+          <a:bodyPr/>
+          <a:lstStyle/>
+          <a:p>
+            <a:fld id="{37290FF7-652B-4475-AEAB-8B1A5D23AE09}" type="slidenum">
+              <a:rPr lang="en-US" smtClean="0"/>
+              <a:t>11</a:t>
+            </a:fld>
+            <a:endParaRPr lang="en-US"/>
+          </a:p>
+        </p:txBody>
+      </p:sp>
+      <p:pic>
+        <p:nvPicPr>
+          <p:cNvPr id="6" name="Picture 4"/>
+          <p:cNvPicPr>
+            <a:picLocks noChangeAspect="1" noChangeArrowheads="1"/>
+          </p:cNvPicPr>
+          <p:nvPr/>
+        </p:nvPicPr>
+        <p:blipFill>
+          <a:blip r:embed="rId2">
+            <a:extLst>
+              <a:ext uri="{28A0092B-C50C-407E-A947-70E740481C1C}">
+                <a14:useLocalDpi xmlns:a14="http://schemas.microsoft.com/office/drawing/2010/main" val="0"/>
+              </a:ext>
+            </a:extLst>
+          </a:blip>
+          <a:srcRect/>
+          <a:stretch>
+            <a:fillRect/>
+          </a:stretch>
+        </p:blipFill>
+        <p:spPr bwMode="auto">
+          <a:xfrm>
+            <a:off x="1066800" y="3200400"/>
+            <a:ext cx="6251575" cy="838200"/>
+          </a:xfrm>
+          <a:prstGeom prst="rect">
+            <a:avLst/>
+          </a:prstGeom>
+          <a:noFill/>
+          <a:ln>
+            <a:noFill/>
+          </a:ln>
+          <a:extLst>
+            <a:ext uri="{909E8E84-426E-40DD-AFC4-6F175D3DCCD1}">
+              <a14:hiddenFill xmlns:a14="http://schemas.microsoft.com/office/drawing/2010/main">
+                <a:solidFill>
+                  <a:srgbClr val="FFFFFF"/>
+                </a:solidFill>
+              </a14:hiddenFill>
+            </a:ext>
+            <a:ext uri="{91240B29-F687-4F45-9708-019B960494DF}">
+              <a14:hiddenLine xmlns:a14="http://schemas.microsoft.com/office/drawing/2010/main" w="9525">
+                <a:solidFill>
+                  <a:srgbClr val="000000"/>
+                </a:solidFill>
+                <a:miter lim="800000"/>
+                <a:headEnd/>
+                <a:tailEnd/>
+              </a14:hiddenLine>
+            </a:ext>
+          </a:extLst>
+        </p:spPr>
+      </p:pic>
+      <p:sp>
+        <p:nvSpPr>
+          <p:cNvPr id="7" name="TextBox 6"/>
+          <p:cNvSpPr txBox="1">
+            <a:spLocks noChangeArrowheads="1"/>
+          </p:cNvSpPr>
+          <p:nvPr/>
+        </p:nvSpPr>
+        <p:spPr bwMode="auto">
+          <a:xfrm>
+            <a:off x="762000" y="2743200"/>
+            <a:ext cx="1143000" cy="369888"/>
+          </a:xfrm>
+          <a:prstGeom prst="rect">
+            <a:avLst/>
+          </a:prstGeom>
+          <a:noFill/>
+          <a:ln>
+            <a:noFill/>
+          </a:ln>
+          <a:extLst>
+            <a:ext uri="{909E8E84-426E-40DD-AFC4-6F175D3DCCD1}">
+              <a14:hiddenFill xmlns:a14="http://schemas.microsoft.com/office/drawing/2010/main">
+                <a:solidFill>
+                  <a:srgbClr val="FFFFFF"/>
+                </a:solidFill>
+              </a14:hiddenFill>
+            </a:ext>
+            <a:ext uri="{91240B29-F687-4F45-9708-019B960494DF}">
+              <a14:hiddenLine xmlns:a14="http://schemas.microsoft.com/office/drawing/2010/main" w="9525">
+                <a:solidFill>
+                  <a:srgbClr val="000000"/>
+                </a:solidFill>
+                <a:miter lim="800000"/>
+                <a:headEnd/>
+                <a:tailEnd/>
+              </a14:hiddenLine>
+            </a:ext>
+          </a:extLst>
+        </p:spPr>
+        <p:txBody>
+          <a:bodyPr>
+            <a:spAutoFit/>
+          </a:bodyPr>
+          <a:lstStyle>
+            <a:lvl1pPr eaLnBrk="0" hangingPunct="0">
+              <a:defRPr>
+                <a:solidFill>
+                  <a:schemeClr val="tx1"/>
+                </a:solidFill>
+                <a:latin typeface="Arial" panose="020B0604020202020204" pitchFamily="34" charset="0"/>
+              </a:defRPr>
+            </a:lvl1pPr>
+            <a:lvl2pPr marL="742950" indent="-285750" eaLnBrk="0" hangingPunct="0">
+              <a:defRPr>
+                <a:solidFill>
+                  <a:schemeClr val="tx1"/>
+                </a:solidFill>
+                <a:latin typeface="Arial" panose="020B0604020202020204" pitchFamily="34" charset="0"/>
+              </a:defRPr>
+            </a:lvl2pPr>
+            <a:lvl3pPr marL="1143000" indent="-228600" eaLnBrk="0" hangingPunct="0">
+              <a:defRPr>
+                <a:solidFill>
+                  <a:schemeClr val="tx1"/>
+                </a:solidFill>
+                <a:latin typeface="Arial" panose="020B0604020202020204" pitchFamily="34" charset="0"/>
+              </a:defRPr>
+            </a:lvl3pPr>
+            <a:lvl4pPr marL="1600200" indent="-228600" eaLnBrk="0" hangingPunct="0">
+              <a:defRPr>
+                <a:solidFill>
+                  <a:schemeClr val="tx1"/>
+                </a:solidFill>
+                <a:latin typeface="Arial" panose="020B0604020202020204" pitchFamily="34" charset="0"/>
+              </a:defRPr>
+            </a:lvl4pPr>
+            <a:lvl5pPr marL="2057400" indent="-228600" eaLnBrk="0" hangingPunct="0">
+              <a:defRPr>
+                <a:solidFill>
+                  <a:schemeClr val="tx1"/>
+                </a:solidFill>
+                <a:latin typeface="Arial" panose="020B0604020202020204" pitchFamily="34" charset="0"/>
+              </a:defRPr>
+            </a:lvl5pPr>
+            <a:lvl6pPr marL="2514600" indent="-228600" eaLnBrk="0" fontAlgn="base" hangingPunct="0">
+              <a:spcBef>
+                <a:spcPct val="0"/>
+              </a:spcBef>
+              <a:spcAft>
+                <a:spcPct val="0"/>
+              </a:spcAft>
+              <a:defRPr>
+                <a:solidFill>
+                  <a:schemeClr val="tx1"/>
+                </a:solidFill>
+                <a:latin typeface="Arial" panose="020B0604020202020204" pitchFamily="34" charset="0"/>
+              </a:defRPr>
+            </a:lvl6pPr>
+            <a:lvl7pPr marL="2971800" indent="-228600" eaLnBrk="0" fontAlgn="base" hangingPunct="0">
+              <a:spcBef>
+                <a:spcPct val="0"/>
+              </a:spcBef>
+              <a:spcAft>
+                <a:spcPct val="0"/>
+              </a:spcAft>
+              <a:defRPr>
+                <a:solidFill>
+                  <a:schemeClr val="tx1"/>
+                </a:solidFill>
+                <a:latin typeface="Arial" panose="020B0604020202020204" pitchFamily="34" charset="0"/>
+              </a:defRPr>
+            </a:lvl7pPr>
+            <a:lvl8pPr marL="3429000" indent="-228600" eaLnBrk="0" fontAlgn="base" hangingPunct="0">
+              <a:spcBef>
+                <a:spcPct val="0"/>
+              </a:spcBef>
+              <a:spcAft>
+                <a:spcPct val="0"/>
+              </a:spcAft>
+              <a:defRPr>
+                <a:solidFill>
+                  <a:schemeClr val="tx1"/>
+                </a:solidFill>
+                <a:latin typeface="Arial" panose="020B0604020202020204" pitchFamily="34" charset="0"/>
+              </a:defRPr>
+            </a:lvl8pPr>
+            <a:lvl9pPr marL="3886200" indent="-228600" eaLnBrk="0" fontAlgn="base" hangingPunct="0">
+              <a:spcBef>
+                <a:spcPct val="0"/>
+              </a:spcBef>
+              <a:spcAft>
+                <a:spcPct val="0"/>
+              </a:spcAft>
+              <a:defRPr>
+                <a:solidFill>
+                  <a:schemeClr val="tx1"/>
+                </a:solidFill>
+                <a:latin typeface="Arial" panose="020B0604020202020204" pitchFamily="34" charset="0"/>
+              </a:defRPr>
+            </a:lvl9pPr>
+          </a:lstStyle>
+          <a:p>
+            <a:pPr eaLnBrk="1" hangingPunct="1"/>
+            <a:r>
+              <a:rPr lang="en-US" altLang="en-US"/>
+              <a:t>outcome</a:t>
+            </a:r>
+          </a:p>
+        </p:txBody>
+      </p:sp>
+      <p:sp>
+        <p:nvSpPr>
+          <p:cNvPr id="8" name="TextBox 7"/>
+          <p:cNvSpPr txBox="1">
+            <a:spLocks noChangeArrowheads="1"/>
+          </p:cNvSpPr>
+          <p:nvPr/>
+        </p:nvSpPr>
+        <p:spPr bwMode="auto">
+          <a:xfrm>
+            <a:off x="3810000" y="2667000"/>
+            <a:ext cx="1524000" cy="369888"/>
+          </a:xfrm>
+          <a:prstGeom prst="rect">
+            <a:avLst/>
+          </a:prstGeom>
+          <a:noFill/>
+          <a:ln>
+            <a:noFill/>
+          </a:ln>
+          <a:extLst>
+            <a:ext uri="{909E8E84-426E-40DD-AFC4-6F175D3DCCD1}">
+              <a14:hiddenFill xmlns:a14="http://schemas.microsoft.com/office/drawing/2010/main">
+                <a:solidFill>
+                  <a:srgbClr val="FFFFFF"/>
+                </a:solidFill>
+              </a14:hiddenFill>
+            </a:ext>
+            <a:ext uri="{91240B29-F687-4F45-9708-019B960494DF}">
+              <a14:hiddenLine xmlns:a14="http://schemas.microsoft.com/office/drawing/2010/main" w="9525">
+                <a:solidFill>
+                  <a:srgbClr val="000000"/>
+                </a:solidFill>
+                <a:miter lim="800000"/>
+                <a:headEnd/>
+                <a:tailEnd/>
+              </a14:hiddenLine>
+            </a:ext>
+          </a:extLst>
+        </p:spPr>
+        <p:txBody>
+          <a:bodyPr>
+            <a:spAutoFit/>
+          </a:bodyPr>
+          <a:lstStyle>
+            <a:lvl1pPr eaLnBrk="0" hangingPunct="0">
+              <a:defRPr>
+                <a:solidFill>
+                  <a:schemeClr val="tx1"/>
+                </a:solidFill>
+                <a:latin typeface="Arial" panose="020B0604020202020204" pitchFamily="34" charset="0"/>
+              </a:defRPr>
+            </a:lvl1pPr>
+            <a:lvl2pPr marL="742950" indent="-285750" eaLnBrk="0" hangingPunct="0">
+              <a:defRPr>
+                <a:solidFill>
+                  <a:schemeClr val="tx1"/>
+                </a:solidFill>
+                <a:latin typeface="Arial" panose="020B0604020202020204" pitchFamily="34" charset="0"/>
+              </a:defRPr>
+            </a:lvl2pPr>
+            <a:lvl3pPr marL="1143000" indent="-228600" eaLnBrk="0" hangingPunct="0">
+              <a:defRPr>
+                <a:solidFill>
+                  <a:schemeClr val="tx1"/>
+                </a:solidFill>
+                <a:latin typeface="Arial" panose="020B0604020202020204" pitchFamily="34" charset="0"/>
+              </a:defRPr>
+            </a:lvl3pPr>
+            <a:lvl4pPr marL="1600200" indent="-228600" eaLnBrk="0" hangingPunct="0">
+              <a:defRPr>
+                <a:solidFill>
+                  <a:schemeClr val="tx1"/>
+                </a:solidFill>
+                <a:latin typeface="Arial" panose="020B0604020202020204" pitchFamily="34" charset="0"/>
+              </a:defRPr>
+            </a:lvl4pPr>
+            <a:lvl5pPr marL="2057400" indent="-228600" eaLnBrk="0" hangingPunct="0">
+              <a:defRPr>
+                <a:solidFill>
+                  <a:schemeClr val="tx1"/>
+                </a:solidFill>
+                <a:latin typeface="Arial" panose="020B0604020202020204" pitchFamily="34" charset="0"/>
+              </a:defRPr>
+            </a:lvl5pPr>
+            <a:lvl6pPr marL="2514600" indent="-228600" eaLnBrk="0" fontAlgn="base" hangingPunct="0">
+              <a:spcBef>
+                <a:spcPct val="0"/>
+              </a:spcBef>
+              <a:spcAft>
+                <a:spcPct val="0"/>
+              </a:spcAft>
+              <a:defRPr>
+                <a:solidFill>
+                  <a:schemeClr val="tx1"/>
+                </a:solidFill>
+                <a:latin typeface="Arial" panose="020B0604020202020204" pitchFamily="34" charset="0"/>
+              </a:defRPr>
+            </a:lvl6pPr>
+            <a:lvl7pPr marL="2971800" indent="-228600" eaLnBrk="0" fontAlgn="base" hangingPunct="0">
+              <a:spcBef>
+                <a:spcPct val="0"/>
+              </a:spcBef>
+              <a:spcAft>
+                <a:spcPct val="0"/>
+              </a:spcAft>
+              <a:defRPr>
+                <a:solidFill>
+                  <a:schemeClr val="tx1"/>
+                </a:solidFill>
+                <a:latin typeface="Arial" panose="020B0604020202020204" pitchFamily="34" charset="0"/>
+              </a:defRPr>
+            </a:lvl7pPr>
+            <a:lvl8pPr marL="3429000" indent="-228600" eaLnBrk="0" fontAlgn="base" hangingPunct="0">
+              <a:spcBef>
+                <a:spcPct val="0"/>
+              </a:spcBef>
+              <a:spcAft>
+                <a:spcPct val="0"/>
+              </a:spcAft>
+              <a:defRPr>
+                <a:solidFill>
+                  <a:schemeClr val="tx1"/>
+                </a:solidFill>
+                <a:latin typeface="Arial" panose="020B0604020202020204" pitchFamily="34" charset="0"/>
+              </a:defRPr>
+            </a:lvl8pPr>
+            <a:lvl9pPr marL="3886200" indent="-228600" eaLnBrk="0" fontAlgn="base" hangingPunct="0">
+              <a:spcBef>
+                <a:spcPct val="0"/>
+              </a:spcBef>
+              <a:spcAft>
+                <a:spcPct val="0"/>
+              </a:spcAft>
+              <a:defRPr>
+                <a:solidFill>
+                  <a:schemeClr val="tx1"/>
+                </a:solidFill>
+                <a:latin typeface="Arial" panose="020B0604020202020204" pitchFamily="34" charset="0"/>
+              </a:defRPr>
+            </a:lvl9pPr>
+          </a:lstStyle>
+          <a:p>
+            <a:pPr eaLnBrk="1" hangingPunct="1"/>
+            <a:r>
+              <a:rPr lang="en-US" altLang="en-US"/>
+              <a:t>coefficients</a:t>
+            </a:r>
+          </a:p>
+        </p:txBody>
+      </p:sp>
+      <p:sp>
+        <p:nvSpPr>
+          <p:cNvPr id="9" name="TextBox 8"/>
+          <p:cNvSpPr txBox="1">
+            <a:spLocks noChangeArrowheads="1"/>
+          </p:cNvSpPr>
+          <p:nvPr/>
+        </p:nvSpPr>
+        <p:spPr bwMode="auto">
+          <a:xfrm>
+            <a:off x="1143000" y="4114800"/>
+            <a:ext cx="1219200" cy="369888"/>
+          </a:xfrm>
+          <a:prstGeom prst="rect">
+            <a:avLst/>
+          </a:prstGeom>
+          <a:noFill/>
+          <a:ln>
+            <a:noFill/>
+          </a:ln>
+          <a:extLst>
+            <a:ext uri="{909E8E84-426E-40DD-AFC4-6F175D3DCCD1}">
+              <a14:hiddenFill xmlns:a14="http://schemas.microsoft.com/office/drawing/2010/main">
+                <a:solidFill>
+                  <a:srgbClr val="FFFFFF"/>
+                </a:solidFill>
+              </a14:hiddenFill>
+            </a:ext>
+            <a:ext uri="{91240B29-F687-4F45-9708-019B960494DF}">
+              <a14:hiddenLine xmlns:a14="http://schemas.microsoft.com/office/drawing/2010/main" w="9525">
+                <a:solidFill>
+                  <a:srgbClr val="000000"/>
+                </a:solidFill>
+                <a:miter lim="800000"/>
+                <a:headEnd/>
+                <a:tailEnd/>
+              </a14:hiddenLine>
+            </a:ext>
+          </a:extLst>
+        </p:spPr>
+        <p:txBody>
+          <a:bodyPr>
+            <a:spAutoFit/>
+          </a:bodyPr>
+          <a:lstStyle>
+            <a:lvl1pPr eaLnBrk="0" hangingPunct="0">
+              <a:defRPr>
+                <a:solidFill>
+                  <a:schemeClr val="tx1"/>
+                </a:solidFill>
+                <a:latin typeface="Arial" panose="020B0604020202020204" pitchFamily="34" charset="0"/>
+              </a:defRPr>
+            </a:lvl1pPr>
+            <a:lvl2pPr marL="742950" indent="-285750" eaLnBrk="0" hangingPunct="0">
+              <a:defRPr>
+                <a:solidFill>
+                  <a:schemeClr val="tx1"/>
+                </a:solidFill>
+                <a:latin typeface="Arial" panose="020B0604020202020204" pitchFamily="34" charset="0"/>
+              </a:defRPr>
+            </a:lvl2pPr>
+            <a:lvl3pPr marL="1143000" indent="-228600" eaLnBrk="0" hangingPunct="0">
+              <a:defRPr>
+                <a:solidFill>
+                  <a:schemeClr val="tx1"/>
+                </a:solidFill>
+                <a:latin typeface="Arial" panose="020B0604020202020204" pitchFamily="34" charset="0"/>
+              </a:defRPr>
+            </a:lvl3pPr>
+            <a:lvl4pPr marL="1600200" indent="-228600" eaLnBrk="0" hangingPunct="0">
+              <a:defRPr>
+                <a:solidFill>
+                  <a:schemeClr val="tx1"/>
+                </a:solidFill>
+                <a:latin typeface="Arial" panose="020B0604020202020204" pitchFamily="34" charset="0"/>
+              </a:defRPr>
+            </a:lvl4pPr>
+            <a:lvl5pPr marL="2057400" indent="-228600" eaLnBrk="0" hangingPunct="0">
+              <a:defRPr>
+                <a:solidFill>
+                  <a:schemeClr val="tx1"/>
+                </a:solidFill>
+                <a:latin typeface="Arial" panose="020B0604020202020204" pitchFamily="34" charset="0"/>
+              </a:defRPr>
+            </a:lvl5pPr>
+            <a:lvl6pPr marL="2514600" indent="-228600" eaLnBrk="0" fontAlgn="base" hangingPunct="0">
+              <a:spcBef>
+                <a:spcPct val="0"/>
+              </a:spcBef>
+              <a:spcAft>
+                <a:spcPct val="0"/>
+              </a:spcAft>
+              <a:defRPr>
+                <a:solidFill>
+                  <a:schemeClr val="tx1"/>
+                </a:solidFill>
+                <a:latin typeface="Arial" panose="020B0604020202020204" pitchFamily="34" charset="0"/>
+              </a:defRPr>
+            </a:lvl6pPr>
+            <a:lvl7pPr marL="2971800" indent="-228600" eaLnBrk="0" fontAlgn="base" hangingPunct="0">
+              <a:spcBef>
+                <a:spcPct val="0"/>
+              </a:spcBef>
+              <a:spcAft>
+                <a:spcPct val="0"/>
+              </a:spcAft>
+              <a:defRPr>
+                <a:solidFill>
+                  <a:schemeClr val="tx1"/>
+                </a:solidFill>
+                <a:latin typeface="Arial" panose="020B0604020202020204" pitchFamily="34" charset="0"/>
+              </a:defRPr>
+            </a:lvl7pPr>
+            <a:lvl8pPr marL="3429000" indent="-228600" eaLnBrk="0" fontAlgn="base" hangingPunct="0">
+              <a:spcBef>
+                <a:spcPct val="0"/>
+              </a:spcBef>
+              <a:spcAft>
+                <a:spcPct val="0"/>
+              </a:spcAft>
+              <a:defRPr>
+                <a:solidFill>
+                  <a:schemeClr val="tx1"/>
+                </a:solidFill>
+                <a:latin typeface="Arial" panose="020B0604020202020204" pitchFamily="34" charset="0"/>
+              </a:defRPr>
+            </a:lvl8pPr>
+            <a:lvl9pPr marL="3886200" indent="-228600" eaLnBrk="0" fontAlgn="base" hangingPunct="0">
+              <a:spcBef>
+                <a:spcPct val="0"/>
+              </a:spcBef>
+              <a:spcAft>
+                <a:spcPct val="0"/>
+              </a:spcAft>
+              <a:defRPr>
+                <a:solidFill>
+                  <a:schemeClr val="tx1"/>
+                </a:solidFill>
+                <a:latin typeface="Arial" panose="020B0604020202020204" pitchFamily="34" charset="0"/>
+              </a:defRPr>
+            </a:lvl9pPr>
+          </a:lstStyle>
+          <a:p>
+            <a:pPr eaLnBrk="1" hangingPunct="1"/>
+            <a:r>
+              <a:rPr lang="en-US" altLang="en-US"/>
+              <a:t>constant</a:t>
+            </a:r>
+          </a:p>
+        </p:txBody>
+      </p:sp>
+      <p:sp>
+        <p:nvSpPr>
+          <p:cNvPr id="10" name="TextBox 10"/>
+          <p:cNvSpPr txBox="1">
+            <a:spLocks noChangeArrowheads="1"/>
+          </p:cNvSpPr>
+          <p:nvPr/>
+        </p:nvSpPr>
+        <p:spPr bwMode="auto">
+          <a:xfrm>
+            <a:off x="3733800" y="4800600"/>
+            <a:ext cx="1600200" cy="369888"/>
+          </a:xfrm>
+          <a:prstGeom prst="rect">
+            <a:avLst/>
+          </a:prstGeom>
+          <a:noFill/>
+          <a:ln>
+            <a:noFill/>
+          </a:ln>
+          <a:extLst>
+            <a:ext uri="{909E8E84-426E-40DD-AFC4-6F175D3DCCD1}">
+              <a14:hiddenFill xmlns:a14="http://schemas.microsoft.com/office/drawing/2010/main">
+                <a:solidFill>
+                  <a:srgbClr val="FFFFFF"/>
+                </a:solidFill>
+              </a14:hiddenFill>
+            </a:ext>
+            <a:ext uri="{91240B29-F687-4F45-9708-019B960494DF}">
+              <a14:hiddenLine xmlns:a14="http://schemas.microsoft.com/office/drawing/2010/main" w="9525">
+                <a:solidFill>
+                  <a:srgbClr val="000000"/>
+                </a:solidFill>
+                <a:miter lim="800000"/>
+                <a:headEnd/>
+                <a:tailEnd/>
+              </a14:hiddenLine>
+            </a:ext>
+          </a:extLst>
+        </p:spPr>
+        <p:txBody>
+          <a:bodyPr>
+            <a:spAutoFit/>
+          </a:bodyPr>
+          <a:lstStyle>
+            <a:lvl1pPr eaLnBrk="0" hangingPunct="0">
+              <a:defRPr>
+                <a:solidFill>
+                  <a:schemeClr val="tx1"/>
+                </a:solidFill>
+                <a:latin typeface="Arial" panose="020B0604020202020204" pitchFamily="34" charset="0"/>
+              </a:defRPr>
+            </a:lvl1pPr>
+            <a:lvl2pPr marL="742950" indent="-285750" eaLnBrk="0" hangingPunct="0">
+              <a:defRPr>
+                <a:solidFill>
+                  <a:schemeClr val="tx1"/>
+                </a:solidFill>
+                <a:latin typeface="Arial" panose="020B0604020202020204" pitchFamily="34" charset="0"/>
+              </a:defRPr>
+            </a:lvl2pPr>
+            <a:lvl3pPr marL="1143000" indent="-228600" eaLnBrk="0" hangingPunct="0">
+              <a:defRPr>
+                <a:solidFill>
+                  <a:schemeClr val="tx1"/>
+                </a:solidFill>
+                <a:latin typeface="Arial" panose="020B0604020202020204" pitchFamily="34" charset="0"/>
+              </a:defRPr>
+            </a:lvl3pPr>
+            <a:lvl4pPr marL="1600200" indent="-228600" eaLnBrk="0" hangingPunct="0">
+              <a:defRPr>
+                <a:solidFill>
+                  <a:schemeClr val="tx1"/>
+                </a:solidFill>
+                <a:latin typeface="Arial" panose="020B0604020202020204" pitchFamily="34" charset="0"/>
+              </a:defRPr>
+            </a:lvl4pPr>
+            <a:lvl5pPr marL="2057400" indent="-228600" eaLnBrk="0" hangingPunct="0">
+              <a:defRPr>
+                <a:solidFill>
+                  <a:schemeClr val="tx1"/>
+                </a:solidFill>
+                <a:latin typeface="Arial" panose="020B0604020202020204" pitchFamily="34" charset="0"/>
+              </a:defRPr>
+            </a:lvl5pPr>
+            <a:lvl6pPr marL="2514600" indent="-228600" eaLnBrk="0" fontAlgn="base" hangingPunct="0">
+              <a:spcBef>
+                <a:spcPct val="0"/>
+              </a:spcBef>
+              <a:spcAft>
+                <a:spcPct val="0"/>
+              </a:spcAft>
+              <a:defRPr>
+                <a:solidFill>
+                  <a:schemeClr val="tx1"/>
+                </a:solidFill>
+                <a:latin typeface="Arial" panose="020B0604020202020204" pitchFamily="34" charset="0"/>
+              </a:defRPr>
+            </a:lvl6pPr>
+            <a:lvl7pPr marL="2971800" indent="-228600" eaLnBrk="0" fontAlgn="base" hangingPunct="0">
+              <a:spcBef>
+                <a:spcPct val="0"/>
+              </a:spcBef>
+              <a:spcAft>
+                <a:spcPct val="0"/>
+              </a:spcAft>
+              <a:defRPr>
+                <a:solidFill>
+                  <a:schemeClr val="tx1"/>
+                </a:solidFill>
+                <a:latin typeface="Arial" panose="020B0604020202020204" pitchFamily="34" charset="0"/>
+              </a:defRPr>
+            </a:lvl7pPr>
+            <a:lvl8pPr marL="3429000" indent="-228600" eaLnBrk="0" fontAlgn="base" hangingPunct="0">
+              <a:spcBef>
+                <a:spcPct val="0"/>
+              </a:spcBef>
+              <a:spcAft>
+                <a:spcPct val="0"/>
+              </a:spcAft>
+              <a:defRPr>
+                <a:solidFill>
+                  <a:schemeClr val="tx1"/>
+                </a:solidFill>
+                <a:latin typeface="Arial" panose="020B0604020202020204" pitchFamily="34" charset="0"/>
+              </a:defRPr>
+            </a:lvl8pPr>
+            <a:lvl9pPr marL="3886200" indent="-228600" eaLnBrk="0" fontAlgn="base" hangingPunct="0">
+              <a:spcBef>
+                <a:spcPct val="0"/>
+              </a:spcBef>
+              <a:spcAft>
+                <a:spcPct val="0"/>
+              </a:spcAft>
+              <a:defRPr>
+                <a:solidFill>
+                  <a:schemeClr val="tx1"/>
+                </a:solidFill>
+                <a:latin typeface="Arial" panose="020B0604020202020204" pitchFamily="34" charset="0"/>
+              </a:defRPr>
+            </a:lvl9pPr>
+          </a:lstStyle>
+          <a:p>
+            <a:pPr eaLnBrk="1" hangingPunct="1"/>
+            <a:r>
+              <a:rPr lang="en-US" altLang="en-US"/>
+              <a:t>predictors</a:t>
+            </a:r>
+          </a:p>
+        </p:txBody>
+      </p:sp>
+      <p:sp>
+        <p:nvSpPr>
+          <p:cNvPr id="11" name="TextBox 11"/>
+          <p:cNvSpPr txBox="1">
+            <a:spLocks noChangeArrowheads="1"/>
+          </p:cNvSpPr>
+          <p:nvPr/>
+        </p:nvSpPr>
+        <p:spPr bwMode="auto">
+          <a:xfrm>
+            <a:off x="6781800" y="4191000"/>
+            <a:ext cx="1676400" cy="369888"/>
+          </a:xfrm>
+          <a:prstGeom prst="rect">
+            <a:avLst/>
+          </a:prstGeom>
+          <a:noFill/>
+          <a:ln>
+            <a:noFill/>
+          </a:ln>
+          <a:extLst>
+            <a:ext uri="{909E8E84-426E-40DD-AFC4-6F175D3DCCD1}">
+              <a14:hiddenFill xmlns:a14="http://schemas.microsoft.com/office/drawing/2010/main">
+                <a:solidFill>
+                  <a:srgbClr val="FFFFFF"/>
+                </a:solidFill>
+              </a14:hiddenFill>
+            </a:ext>
+            <a:ext uri="{91240B29-F687-4F45-9708-019B960494DF}">
+              <a14:hiddenLine xmlns:a14="http://schemas.microsoft.com/office/drawing/2010/main" w="9525">
+                <a:solidFill>
+                  <a:srgbClr val="000000"/>
+                </a:solidFill>
+                <a:miter lim="800000"/>
+                <a:headEnd/>
+                <a:tailEnd/>
+              </a14:hiddenLine>
+            </a:ext>
+          </a:extLst>
+        </p:spPr>
+        <p:txBody>
+          <a:bodyPr>
+            <a:spAutoFit/>
+          </a:bodyPr>
+          <a:lstStyle>
+            <a:lvl1pPr eaLnBrk="0" hangingPunct="0">
+              <a:defRPr>
+                <a:solidFill>
+                  <a:schemeClr val="tx1"/>
+                </a:solidFill>
+                <a:latin typeface="Arial" panose="020B0604020202020204" pitchFamily="34" charset="0"/>
+              </a:defRPr>
+            </a:lvl1pPr>
+            <a:lvl2pPr marL="742950" indent="-285750" eaLnBrk="0" hangingPunct="0">
+              <a:defRPr>
+                <a:solidFill>
+                  <a:schemeClr val="tx1"/>
+                </a:solidFill>
+                <a:latin typeface="Arial" panose="020B0604020202020204" pitchFamily="34" charset="0"/>
+              </a:defRPr>
+            </a:lvl2pPr>
+            <a:lvl3pPr marL="1143000" indent="-228600" eaLnBrk="0" hangingPunct="0">
+              <a:defRPr>
+                <a:solidFill>
+                  <a:schemeClr val="tx1"/>
+                </a:solidFill>
+                <a:latin typeface="Arial" panose="020B0604020202020204" pitchFamily="34" charset="0"/>
+              </a:defRPr>
+            </a:lvl3pPr>
+            <a:lvl4pPr marL="1600200" indent="-228600" eaLnBrk="0" hangingPunct="0">
+              <a:defRPr>
+                <a:solidFill>
+                  <a:schemeClr val="tx1"/>
+                </a:solidFill>
+                <a:latin typeface="Arial" panose="020B0604020202020204" pitchFamily="34" charset="0"/>
+              </a:defRPr>
+            </a:lvl4pPr>
+            <a:lvl5pPr marL="2057400" indent="-228600" eaLnBrk="0" hangingPunct="0">
+              <a:defRPr>
+                <a:solidFill>
+                  <a:schemeClr val="tx1"/>
+                </a:solidFill>
+                <a:latin typeface="Arial" panose="020B0604020202020204" pitchFamily="34" charset="0"/>
+              </a:defRPr>
+            </a:lvl5pPr>
+            <a:lvl6pPr marL="2514600" indent="-228600" eaLnBrk="0" fontAlgn="base" hangingPunct="0">
+              <a:spcBef>
+                <a:spcPct val="0"/>
+              </a:spcBef>
+              <a:spcAft>
+                <a:spcPct val="0"/>
+              </a:spcAft>
+              <a:defRPr>
+                <a:solidFill>
+                  <a:schemeClr val="tx1"/>
+                </a:solidFill>
+                <a:latin typeface="Arial" panose="020B0604020202020204" pitchFamily="34" charset="0"/>
+              </a:defRPr>
+            </a:lvl6pPr>
+            <a:lvl7pPr marL="2971800" indent="-228600" eaLnBrk="0" fontAlgn="base" hangingPunct="0">
+              <a:spcBef>
+                <a:spcPct val="0"/>
+              </a:spcBef>
+              <a:spcAft>
+                <a:spcPct val="0"/>
+              </a:spcAft>
+              <a:defRPr>
+                <a:solidFill>
+                  <a:schemeClr val="tx1"/>
+                </a:solidFill>
+                <a:latin typeface="Arial" panose="020B0604020202020204" pitchFamily="34" charset="0"/>
+              </a:defRPr>
+            </a:lvl7pPr>
+            <a:lvl8pPr marL="3429000" indent="-228600" eaLnBrk="0" fontAlgn="base" hangingPunct="0">
+              <a:spcBef>
+                <a:spcPct val="0"/>
+              </a:spcBef>
+              <a:spcAft>
+                <a:spcPct val="0"/>
+              </a:spcAft>
+              <a:defRPr>
+                <a:solidFill>
+                  <a:schemeClr val="tx1"/>
+                </a:solidFill>
+                <a:latin typeface="Arial" panose="020B0604020202020204" pitchFamily="34" charset="0"/>
+              </a:defRPr>
+            </a:lvl8pPr>
+            <a:lvl9pPr marL="3886200" indent="-228600" eaLnBrk="0" fontAlgn="base" hangingPunct="0">
+              <a:spcBef>
+                <a:spcPct val="0"/>
+              </a:spcBef>
+              <a:spcAft>
+                <a:spcPct val="0"/>
+              </a:spcAft>
+              <a:defRPr>
+                <a:solidFill>
+                  <a:schemeClr val="tx1"/>
+                </a:solidFill>
+                <a:latin typeface="Arial" panose="020B0604020202020204" pitchFamily="34" charset="0"/>
+              </a:defRPr>
+            </a:lvl9pPr>
+          </a:lstStyle>
+          <a:p>
+            <a:pPr eaLnBrk="1" hangingPunct="1"/>
+            <a:r>
+              <a:rPr lang="en-US" altLang="en-US"/>
+              <a:t>error (noise)</a:t>
+            </a:r>
+          </a:p>
+        </p:txBody>
+      </p:sp>
+      <p:cxnSp>
+        <p:nvCxnSpPr>
+          <p:cNvPr id="12" name="Straight Arrow Connector 11"/>
+          <p:cNvCxnSpPr/>
+          <p:nvPr/>
+        </p:nvCxnSpPr>
+        <p:spPr>
+          <a:xfrm>
+            <a:off x="1447800" y="3124200"/>
+            <a:ext cx="152400" cy="304800"/>
+          </a:xfrm>
+          <a:prstGeom prst="straightConnector1">
+            <a:avLst/>
+          </a:prstGeom>
+          <a:ln>
+            <a:tailEnd type="arrow"/>
+          </a:ln>
+        </p:spPr>
+        <p:style>
+          <a:lnRef idx="1">
+            <a:schemeClr val="accent1"/>
+          </a:lnRef>
+          <a:fillRef idx="0">
+            <a:schemeClr val="accent1"/>
+          </a:fillRef>
+          <a:effectRef idx="0">
+            <a:schemeClr val="accent1"/>
+          </a:effectRef>
+          <a:fontRef idx="minor">
+            <a:schemeClr val="tx1"/>
+          </a:fontRef>
+        </p:style>
+      </p:cxnSp>
+      <p:cxnSp>
+        <p:nvCxnSpPr>
+          <p:cNvPr id="13" name="Straight Arrow Connector 12"/>
+          <p:cNvCxnSpPr/>
+          <p:nvPr/>
+        </p:nvCxnSpPr>
+        <p:spPr>
+          <a:xfrm flipH="1">
+            <a:off x="3124200" y="3124200"/>
+            <a:ext cx="838200" cy="304800"/>
+          </a:xfrm>
+          <a:prstGeom prst="straightConnector1">
+            <a:avLst/>
+          </a:prstGeom>
+          <a:ln>
+            <a:tailEnd type="arrow"/>
+          </a:ln>
+        </p:spPr>
+        <p:style>
+          <a:lnRef idx="1">
+            <a:schemeClr val="accent1"/>
+          </a:lnRef>
+          <a:fillRef idx="0">
+            <a:schemeClr val="accent1"/>
+          </a:fillRef>
+          <a:effectRef idx="0">
+            <a:schemeClr val="accent1"/>
+          </a:effectRef>
+          <a:fontRef idx="minor">
+            <a:schemeClr val="tx1"/>
+          </a:fontRef>
+        </p:style>
+      </p:cxnSp>
+      <p:cxnSp>
+        <p:nvCxnSpPr>
+          <p:cNvPr id="14" name="Straight Arrow Connector 13"/>
+          <p:cNvCxnSpPr/>
+          <p:nvPr/>
+        </p:nvCxnSpPr>
+        <p:spPr>
+          <a:xfrm flipH="1">
+            <a:off x="4114800" y="3124200"/>
+            <a:ext cx="152400" cy="304800"/>
+          </a:xfrm>
+          <a:prstGeom prst="straightConnector1">
+            <a:avLst/>
+          </a:prstGeom>
+          <a:ln>
+            <a:tailEnd type="arrow"/>
+          </a:ln>
+        </p:spPr>
+        <p:style>
+          <a:lnRef idx="1">
+            <a:schemeClr val="accent1"/>
+          </a:lnRef>
+          <a:fillRef idx="0">
+            <a:schemeClr val="accent1"/>
+          </a:fillRef>
+          <a:effectRef idx="0">
+            <a:schemeClr val="accent1"/>
+          </a:effectRef>
+          <a:fontRef idx="minor">
+            <a:schemeClr val="tx1"/>
+          </a:fontRef>
+        </p:style>
+      </p:cxnSp>
+      <p:cxnSp>
+        <p:nvCxnSpPr>
+          <p:cNvPr id="15" name="Straight Arrow Connector 14"/>
+          <p:cNvCxnSpPr/>
+          <p:nvPr/>
+        </p:nvCxnSpPr>
+        <p:spPr>
+          <a:xfrm>
+            <a:off x="4876800" y="3124200"/>
+            <a:ext cx="762000" cy="304800"/>
+          </a:xfrm>
+          <a:prstGeom prst="straightConnector1">
+            <a:avLst/>
+          </a:prstGeom>
+          <a:ln>
+            <a:tailEnd type="arrow"/>
+          </a:ln>
+        </p:spPr>
+        <p:style>
+          <a:lnRef idx="1">
+            <a:schemeClr val="accent1"/>
+          </a:lnRef>
+          <a:fillRef idx="0">
+            <a:schemeClr val="accent1"/>
+          </a:fillRef>
+          <a:effectRef idx="0">
+            <a:schemeClr val="accent1"/>
+          </a:effectRef>
+          <a:fontRef idx="minor">
+            <a:schemeClr val="tx1"/>
+          </a:fontRef>
+        </p:style>
+      </p:cxnSp>
+      <p:cxnSp>
+        <p:nvCxnSpPr>
+          <p:cNvPr id="16" name="Straight Arrow Connector 15"/>
+          <p:cNvCxnSpPr/>
+          <p:nvPr/>
+        </p:nvCxnSpPr>
+        <p:spPr>
+          <a:xfrm flipH="1" flipV="1">
+            <a:off x="3352800" y="3810000"/>
+            <a:ext cx="533400" cy="990600"/>
+          </a:xfrm>
+          <a:prstGeom prst="straightConnector1">
+            <a:avLst/>
+          </a:prstGeom>
+          <a:ln>
+            <a:tailEnd type="arrow"/>
+          </a:ln>
+        </p:spPr>
+        <p:style>
+          <a:lnRef idx="1">
+            <a:schemeClr val="accent1"/>
+          </a:lnRef>
+          <a:fillRef idx="0">
+            <a:schemeClr val="accent1"/>
+          </a:fillRef>
+          <a:effectRef idx="0">
+            <a:schemeClr val="accent1"/>
+          </a:effectRef>
+          <a:fontRef idx="minor">
+            <a:schemeClr val="tx1"/>
+          </a:fontRef>
+        </p:style>
+      </p:cxnSp>
+      <p:cxnSp>
+        <p:nvCxnSpPr>
+          <p:cNvPr id="17" name="Straight Arrow Connector 16"/>
+          <p:cNvCxnSpPr/>
+          <p:nvPr/>
+        </p:nvCxnSpPr>
+        <p:spPr>
+          <a:xfrm flipV="1">
+            <a:off x="4267200" y="3810000"/>
+            <a:ext cx="76200" cy="990600"/>
+          </a:xfrm>
+          <a:prstGeom prst="straightConnector1">
+            <a:avLst/>
+          </a:prstGeom>
+          <a:ln>
+            <a:tailEnd type="arrow"/>
+          </a:ln>
+        </p:spPr>
+        <p:style>
+          <a:lnRef idx="1">
+            <a:schemeClr val="accent1"/>
+          </a:lnRef>
+          <a:fillRef idx="0">
+            <a:schemeClr val="accent1"/>
+          </a:fillRef>
+          <a:effectRef idx="0">
+            <a:schemeClr val="accent1"/>
+          </a:effectRef>
+          <a:fontRef idx="minor">
+            <a:schemeClr val="tx1"/>
+          </a:fontRef>
+        </p:style>
+      </p:cxnSp>
+      <p:cxnSp>
+        <p:nvCxnSpPr>
+          <p:cNvPr id="18" name="Straight Arrow Connector 17"/>
+          <p:cNvCxnSpPr/>
+          <p:nvPr/>
+        </p:nvCxnSpPr>
+        <p:spPr>
+          <a:xfrm flipV="1">
+            <a:off x="4800600" y="3810000"/>
+            <a:ext cx="838200" cy="990600"/>
+          </a:xfrm>
+          <a:prstGeom prst="straightConnector1">
+            <a:avLst/>
+          </a:prstGeom>
+          <a:ln>
+            <a:tailEnd type="arrow"/>
+          </a:ln>
+        </p:spPr>
+        <p:style>
+          <a:lnRef idx="1">
+            <a:schemeClr val="accent1"/>
+          </a:lnRef>
+          <a:fillRef idx="0">
+            <a:schemeClr val="accent1"/>
+          </a:fillRef>
+          <a:effectRef idx="0">
+            <a:schemeClr val="accent1"/>
+          </a:effectRef>
+          <a:fontRef idx="minor">
+            <a:schemeClr val="tx1"/>
+          </a:fontRef>
+        </p:style>
+      </p:cxnSp>
+      <p:cxnSp>
+        <p:nvCxnSpPr>
+          <p:cNvPr id="19" name="Straight Arrow Connector 18"/>
+          <p:cNvCxnSpPr/>
+          <p:nvPr/>
+        </p:nvCxnSpPr>
+        <p:spPr>
+          <a:xfrm flipV="1">
+            <a:off x="1981200" y="3810000"/>
+            <a:ext cx="304800" cy="304800"/>
+          </a:xfrm>
+          <a:prstGeom prst="straightConnector1">
+            <a:avLst/>
+          </a:prstGeom>
+          <a:ln>
+            <a:tailEnd type="arrow"/>
+          </a:ln>
+        </p:spPr>
+        <p:style>
+          <a:lnRef idx="1">
+            <a:schemeClr val="accent1"/>
+          </a:lnRef>
+          <a:fillRef idx="0">
+            <a:schemeClr val="accent1"/>
+          </a:fillRef>
+          <a:effectRef idx="0">
+            <a:schemeClr val="accent1"/>
+          </a:effectRef>
+          <a:fontRef idx="minor">
+            <a:schemeClr val="tx1"/>
+          </a:fontRef>
+        </p:style>
+      </p:cxnSp>
+      <p:cxnSp>
+        <p:nvCxnSpPr>
+          <p:cNvPr id="20" name="Straight Arrow Connector 19"/>
+          <p:cNvCxnSpPr/>
+          <p:nvPr/>
+        </p:nvCxnSpPr>
+        <p:spPr>
+          <a:xfrm flipH="1" flipV="1">
+            <a:off x="6781800" y="3810000"/>
+            <a:ext cx="304800" cy="304800"/>
+          </a:xfrm>
+          <a:prstGeom prst="straightConnector1">
+            <a:avLst/>
+          </a:prstGeom>
+          <a:ln>
+            <a:tailEnd type="arrow"/>
+          </a:ln>
+        </p:spPr>
+        <p:style>
+          <a:lnRef idx="1">
+            <a:schemeClr val="accent1"/>
+          </a:lnRef>
+          <a:fillRef idx="0">
+            <a:schemeClr val="accent1"/>
+          </a:fillRef>
+          <a:effectRef idx="0">
+            <a:schemeClr val="accent1"/>
+          </a:effectRef>
+          <a:fontRef idx="minor">
+            <a:schemeClr val="tx1"/>
+          </a:fontRef>
+        </p:style>
+      </p:cxnSp>
+      <p:cxnSp>
+        <p:nvCxnSpPr>
+          <p:cNvPr id="21" name="Straight Connector 20">
+            <a:extLst>
+              <a:ext uri="{FF2B5EF4-FFF2-40B4-BE49-F238E27FC236}">
+                <a16:creationId xmlns:a16="http://schemas.microsoft.com/office/drawing/2014/main" id="{C5CEAD72-6A90-B14E-BDC8-D99A947BC602}"/>
+              </a:ext>
+            </a:extLst>
+          </p:cNvPr>
+          <p:cNvCxnSpPr/>
+          <p:nvPr/>
+        </p:nvCxnSpPr>
+        <p:spPr>
+          <a:xfrm>
+            <a:off x="6798363" y="6549885"/>
+            <a:ext cx="0" cy="182880"/>
+          </a:xfrm>
+          <a:prstGeom prst="line">
+            <a:avLst/>
+          </a:prstGeom>
+          <a:ln>
+            <a:solidFill>
+              <a:schemeClr val="bg1">
+                <a:lumMod val="85000"/>
+              </a:schemeClr>
+            </a:solidFill>
+          </a:ln>
+        </p:spPr>
+        <p:style>
+          <a:lnRef idx="1">
+            <a:schemeClr val="accent1"/>
+          </a:lnRef>
+          <a:fillRef idx="0">
+            <a:schemeClr val="accent1"/>
+          </a:fillRef>
+          <a:effectRef idx="0">
+            <a:schemeClr val="accent1"/>
+          </a:effectRef>
+          <a:fontRef idx="minor">
+            <a:schemeClr val="tx1"/>
+          </a:fontRef>
+        </p:style>
+      </p:cxnSp>
+      <p:cxnSp>
+        <p:nvCxnSpPr>
+          <p:cNvPr id="22" name="Straight Connector 21">
+            <a:extLst>
+              <a:ext uri="{FF2B5EF4-FFF2-40B4-BE49-F238E27FC236}">
+                <a16:creationId xmlns:a16="http://schemas.microsoft.com/office/drawing/2014/main" id="{A37E0CA4-7D82-764E-9AC0-55FB214F9D2E}"/>
+              </a:ext>
+            </a:extLst>
+          </p:cNvPr>
+          <p:cNvCxnSpPr/>
+          <p:nvPr/>
+        </p:nvCxnSpPr>
+        <p:spPr>
+          <a:xfrm>
+            <a:off x="7076661" y="4664763"/>
+            <a:ext cx="182880" cy="0"/>
+          </a:xfrm>
+          <a:prstGeom prst="line">
+            <a:avLst/>
+          </a:prstGeom>
+          <a:ln>
+            <a:solidFill>
+              <a:schemeClr val="bg1">
+                <a:lumMod val="85000"/>
+              </a:schemeClr>
+            </a:solidFill>
+          </a:ln>
+        </p:spPr>
+        <p:style>
+          <a:lnRef idx="1">
+            <a:schemeClr val="accent1"/>
+          </a:lnRef>
+          <a:fillRef idx="0">
+            <a:schemeClr val="accent1"/>
+          </a:fillRef>
+          <a:effectRef idx="0">
+            <a:schemeClr val="accent1"/>
+          </a:effectRef>
+          <a:fontRef idx="minor">
+            <a:schemeClr val="tx1"/>
+          </a:fontRef>
+        </p:style>
+      </p:cxnSp>
+      <p:sp>
+        <p:nvSpPr>
+          <p:cNvPr id="23" name="Footer Placeholder 3">
+            <a:extLst>
+              <a:ext uri="{FF2B5EF4-FFF2-40B4-BE49-F238E27FC236}">
+                <a16:creationId xmlns:a16="http://schemas.microsoft.com/office/drawing/2014/main" id="{CDC3374E-1788-B143-BE2F-6AA84309610E}"/>
+              </a:ext>
+            </a:extLst>
+          </p:cNvPr>
+          <p:cNvSpPr>
+            <a:spLocks noGrp="1"/>
+          </p:cNvSpPr>
+          <p:nvPr>
+            <p:ph type="ftr" sz="quarter" idx="3"/>
+          </p:nvPr>
+        </p:nvSpPr>
+        <p:spPr>
+          <a:xfrm>
+            <a:off x="3028950" y="6356351"/>
+            <a:ext cx="3086100" cy="365125"/>
+          </a:xfrm>
+        </p:spPr>
+        <p:txBody>
+          <a:bodyPr/>
+          <a:lstStyle/>
+          <a:p>
+            <a:r>
+              <a:rPr lang="en-US"/>
+              <a:t>Kwartler</a:t>
+            </a:r>
+            <a:endParaRPr lang="en-US" dirty="0"/>
+          </a:p>
+        </p:txBody>
+      </p:sp>
+    </p:spTree>
+    <p:extLst>
+      <p:ext uri="{BB962C8B-B14F-4D97-AF65-F5344CB8AC3E}">
+        <p14:creationId xmlns:p14="http://schemas.microsoft.com/office/powerpoint/2010/main" val="751153984"/>
+      </p:ext>
+    </p:extLst>
+  </p:cSld>
+  <p:clrMapOvr>
+    <a:masterClrMapping/>
+  </p:clrMapOvr>
+</p:sld>
+</file>
+
+<file path=ppt/slides/slide12.xml><?xml version="1.0" encoding="utf-8"?>
+<p:sld xmlns:a="http://schemas.openxmlformats.org/drawingml/2006/main" xmlns:r="http://schemas.openxmlformats.org/officeDocument/2006/relationships" xmlns:p="http://schemas.openxmlformats.org/presentationml/2006/main">
+  <p:cSld>
+    <p:spTree>
+      <p:nvGrpSpPr>
+        <p:cNvPr id="1" name=""/>
+        <p:cNvGrpSpPr/>
+        <p:nvPr/>
+      </p:nvGrpSpPr>
+      <p:grpSpPr>
+        <a:xfrm>
+          <a:off x="0" y="0"/>
+          <a:ext cx="0" cy="0"/>
+          <a:chOff x="0" y="0"/>
+          <a:chExt cx="0" cy="0"/>
+        </a:xfrm>
+      </p:grpSpPr>
+      <p:sp>
+        <p:nvSpPr>
           <p:cNvPr id="1027" name="Title 1"/>
           <p:cNvSpPr>
             <a:spLocks noGrp="1"/>
@@ -6748,7 +7343,7 @@
             <a:fld id="{9B19E99B-5349-415A-8E56-8E989211A366}" type="datetime1">
               <a:rPr lang="en-US" smtClean="0"/>
               <a:pPr/>
-              <a:t>1/2/21</a:t>
+              <a:t>1/10/21</a:t>
             </a:fld>
             <a:endParaRPr lang="en-US"/>
           </a:p>
@@ -6807,7 +7402,7 @@
             <a:fld id="{37290FF7-652B-4475-AEAB-8B1A5D23AE09}" type="slidenum">
               <a:rPr lang="en-US" smtClean="0"/>
               <a:pPr/>
-              <a:t>11</a:t>
+              <a:t>12</a:t>
             </a:fld>
             <a:endParaRPr lang="en-US"/>
           </a:p>
@@ -7265,7 +7860,7 @@
 </p:sld>
 </file>
 
-<file path=ppt/slides/slide12.xml><?xml version="1.0" encoding="utf-8"?>
+<file path=ppt/slides/slide13.xml><?xml version="1.0" encoding="utf-8"?>
 <p:sld xmlns:a="http://schemas.openxmlformats.org/drawingml/2006/main" xmlns:r="http://schemas.openxmlformats.org/officeDocument/2006/relationships" xmlns:p="http://schemas.openxmlformats.org/presentationml/2006/main">
   <p:cSld>
     <p:spTree>
@@ -7300,7 +7895,7 @@
             <a:fld id="{6700A58B-DD98-43D0-B791-721480A02982}" type="datetime1">
               <a:rPr lang="en-US" smtClean="0"/>
               <a:pPr/>
-              <a:t>1/2/21</a:t>
+              <a:t>1/10/21</a:t>
             </a:fld>
             <a:endParaRPr lang="en-US"/>
           </a:p>
@@ -7352,7 +7947,7 @@
             <a:fld id="{37290FF7-652B-4475-AEAB-8B1A5D23AE09}" type="slidenum">
               <a:rPr lang="en-US" smtClean="0"/>
               <a:pPr/>
-              <a:t>12</a:t>
+              <a:t>13</a:t>
             </a:fld>
             <a:endParaRPr lang="en-US"/>
           </a:p>
@@ -7614,6 +8209,162 @@
       </p:grpSpPr>
       <p:sp>
         <p:nvSpPr>
+          <p:cNvPr id="2" name="Title 1"/>
+          <p:cNvSpPr>
+            <a:spLocks noGrp="1"/>
+          </p:cNvSpPr>
+          <p:nvPr>
+            <p:ph type="ctrTitle"/>
+          </p:nvPr>
+        </p:nvSpPr>
+        <p:spPr/>
+        <p:txBody>
+          <a:bodyPr/>
+          <a:lstStyle/>
+          <a:p>
+            <a:r>
+              <a:rPr lang="en-US" dirty="0"/>
+              <a:t>Text Mining &amp; NLP</a:t>
+            </a:r>
+            <a:br>
+              <a:rPr lang="en-US" dirty="0"/>
+            </a:br>
+            <a:r>
+              <a:rPr lang="en-US" dirty="0" err="1"/>
+              <a:t>ElasticNet</a:t>
+            </a:r>
+            <a:r>
+              <a:rPr lang="en-US" dirty="0"/>
+              <a:t> Regression</a:t>
+            </a:r>
+          </a:p>
+        </p:txBody>
+      </p:sp>
+      <p:sp>
+        <p:nvSpPr>
+          <p:cNvPr id="3" name="Subtitle 2"/>
+          <p:cNvSpPr>
+            <a:spLocks noGrp="1"/>
+          </p:cNvSpPr>
+          <p:nvPr>
+            <p:ph type="subTitle" idx="1"/>
+          </p:nvPr>
+        </p:nvSpPr>
+        <p:spPr/>
+        <p:txBody>
+          <a:bodyPr/>
+          <a:lstStyle/>
+          <a:p>
+            <a:r>
+              <a:rPr lang="en-US" dirty="0"/>
+              <a:t>Ted Kwartler</a:t>
+            </a:r>
+          </a:p>
+        </p:txBody>
+      </p:sp>
+      <p:sp>
+        <p:nvSpPr>
+          <p:cNvPr id="4" name="Date Placeholder 3"/>
+          <p:cNvSpPr>
+            <a:spLocks noGrp="1"/>
+          </p:cNvSpPr>
+          <p:nvPr>
+            <p:ph type="dt" sz="half" idx="10"/>
+          </p:nvPr>
+        </p:nvSpPr>
+        <p:spPr/>
+        <p:txBody>
+          <a:bodyPr/>
+          <a:lstStyle/>
+          <a:p>
+            <a:fld id="{5738B90E-0779-4C36-915C-6F05FCD89456}" type="datetime1">
+              <a:rPr lang="en-US" smtClean="0"/>
+              <a:pPr/>
+              <a:t>1/10/21</a:t>
+            </a:fld>
+            <a:endParaRPr lang="en-US"/>
+          </a:p>
+        </p:txBody>
+      </p:sp>
+      <p:sp>
+        <p:nvSpPr>
+          <p:cNvPr id="6" name="Footer Placeholder 5"/>
+          <p:cNvSpPr>
+            <a:spLocks noGrp="1"/>
+          </p:cNvSpPr>
+          <p:nvPr>
+            <p:ph type="ftr" sz="quarter" idx="3"/>
+          </p:nvPr>
+        </p:nvSpPr>
+        <p:spPr/>
+        <p:txBody>
+          <a:bodyPr/>
+          <a:lstStyle/>
+          <a:p>
+            <a:r>
+              <a:rPr lang="en-US"/>
+              <a:t>Kwartler</a:t>
+            </a:r>
+            <a:endParaRPr lang="en-US" dirty="0"/>
+          </a:p>
+        </p:txBody>
+      </p:sp>
+      <p:sp>
+        <p:nvSpPr>
+          <p:cNvPr id="5" name="Slide Number Placeholder 4"/>
+          <p:cNvSpPr>
+            <a:spLocks noGrp="1"/>
+          </p:cNvSpPr>
+          <p:nvPr>
+            <p:ph type="sldNum" sz="quarter" idx="4"/>
+          </p:nvPr>
+        </p:nvSpPr>
+        <p:spPr/>
+        <p:txBody>
+          <a:bodyPr/>
+          <a:lstStyle/>
+          <a:p>
+            <a:fld id="{37290FF7-652B-4475-AEAB-8B1A5D23AE09}" type="slidenum">
+              <a:rPr lang="en-US" smtClean="0"/>
+              <a:pPr/>
+              <a:t>2</a:t>
+            </a:fld>
+            <a:endParaRPr lang="en-US"/>
+          </a:p>
+        </p:txBody>
+      </p:sp>
+    </p:spTree>
+    <p:extLst>
+      <p:ext uri="{BB962C8B-B14F-4D97-AF65-F5344CB8AC3E}">
+        <p14:creationId xmlns:p14="http://schemas.microsoft.com/office/powerpoint/2010/main" val="1912304128"/>
+      </p:ext>
+    </p:extLst>
+  </p:cSld>
+  <p:clrMapOvr>
+    <a:masterClrMapping/>
+  </p:clrMapOvr>
+</p:sld>
+</file>
+
+<file path=ppt/slides/slide3.xml><?xml version="1.0" encoding="utf-8"?>
+<p:sld xmlns:a="http://schemas.openxmlformats.org/drawingml/2006/main" xmlns:r="http://schemas.openxmlformats.org/officeDocument/2006/relationships" xmlns:p="http://schemas.openxmlformats.org/presentationml/2006/main">
+  <p:cSld>
+    <p:spTree>
+      <p:nvGrpSpPr>
+        <p:cNvPr id="1" name=""/>
+        <p:cNvGrpSpPr/>
+        <p:nvPr/>
+      </p:nvGrpSpPr>
+      <p:grpSpPr>
+        <a:xfrm>
+          <a:off x="0" y="0"/>
+          <a:ext cx="0" cy="0"/>
+          <a:chOff x="0" y="0"/>
+          <a:chExt cx="0" cy="0"/>
+        </a:xfrm>
+      </p:grpSpPr>
+      <p:sp>
+        <p:nvSpPr>
           <p:cNvPr id="2" name="Date Placeholder 1">
             <a:extLst>
               <a:ext uri="{FF2B5EF4-FFF2-40B4-BE49-F238E27FC236}">
@@ -7635,7 +8386,7 @@
           <a:p>
             <a:fld id="{6700A58B-DD98-43D0-B791-721480A02982}" type="datetime1">
               <a:rPr lang="en-US" smtClean="0"/>
-              <a:t>1/2/21</a:t>
+              <a:t>1/10/21</a:t>
             </a:fld>
             <a:endParaRPr lang="en-US"/>
           </a:p>
@@ -7722,7 +8473,7 @@
             <a:fld id="{37290FF7-652B-4475-AEAB-8B1A5D23AE09}" type="slidenum">
               <a:rPr lang="en-US" smtClean="0"/>
               <a:pPr/>
-              <a:t>2</a:t>
+              <a:t>3</a:t>
             </a:fld>
             <a:endParaRPr lang="en-US" dirty="0"/>
           </a:p>
@@ -9505,7 +10256,7 @@
 </p:sld>
 </file>
 
-<file path=ppt/slides/slide3.xml><?xml version="1.0" encoding="utf-8"?>
+<file path=ppt/slides/slide4.xml><?xml version="1.0" encoding="utf-8"?>
 <p:sld xmlns:a="http://schemas.openxmlformats.org/drawingml/2006/main" xmlns:r="http://schemas.openxmlformats.org/officeDocument/2006/relationships" xmlns:p="http://schemas.openxmlformats.org/presentationml/2006/main">
   <p:cSld>
     <p:spTree>
@@ -9602,7 +10353,7 @@
             <a:fld id="{D753EFC8-4232-4598-94F6-94C0EBAFC469}" type="datetime1">
               <a:rPr lang="en-US" smtClean="0"/>
               <a:pPr/>
-              <a:t>1/2/21</a:t>
+              <a:t>1/10/21</a:t>
             </a:fld>
             <a:endParaRPr lang="en-US"/>
           </a:p>
@@ -11131,7 +11882,7 @@
 </p:sld>
 </file>
 
-<file path=ppt/slides/slide4.xml><?xml version="1.0" encoding="utf-8"?>
+<file path=ppt/slides/slide5.xml><?xml version="1.0" encoding="utf-8"?>
 <p:sld xmlns:a="http://schemas.openxmlformats.org/drawingml/2006/main" xmlns:r="http://schemas.openxmlformats.org/officeDocument/2006/relationships" xmlns:p="http://schemas.openxmlformats.org/presentationml/2006/main">
   <p:cSld>
     <p:spTree>
@@ -11172,7 +11923,7 @@
             <a:fld id="{9B19E99B-5349-415A-8E56-8E989211A366}" type="datetime1">
               <a:rPr lang="en-US" smtClean="0"/>
               <a:pPr/>
-              <a:t>1/2/21</a:t>
+              <a:t>1/10/21</a:t>
             </a:fld>
             <a:endParaRPr lang="en-US"/>
           </a:p>
@@ -11253,7 +12004,7 @@
             <a:fld id="{37290FF7-652B-4475-AEAB-8B1A5D23AE09}" type="slidenum">
               <a:rPr lang="en-US" smtClean="0"/>
               <a:pPr/>
-              <a:t>4</a:t>
+              <a:t>5</a:t>
             </a:fld>
             <a:endParaRPr lang="en-US"/>
           </a:p>
@@ -11276,7 +12027,7 @@
           <a:p>
             <a:fld id="{37290FF7-652B-4475-AEAB-8B1A5D23AE09}" type="slidenum">
               <a:rPr lang="en-US" smtClean="0"/>
-              <a:t>4</a:t>
+              <a:t>5</a:t>
             </a:fld>
             <a:endParaRPr lang="en-US"/>
           </a:p>
@@ -12721,7 +13472,7 @@
 </p:sld>
 </file>
 
-<file path=ppt/slides/slide5.xml><?xml version="1.0" encoding="utf-8"?>
+<file path=ppt/slides/slide6.xml><?xml version="1.0" encoding="utf-8"?>
 <p:sld xmlns:a="http://schemas.openxmlformats.org/drawingml/2006/main" xmlns:r="http://schemas.openxmlformats.org/officeDocument/2006/relationships" xmlns:p="http://schemas.openxmlformats.org/presentationml/2006/main">
   <p:cSld>
     <p:spTree>
@@ -12762,7 +13513,7 @@
             <a:fld id="{9B19E99B-5349-415A-8E56-8E989211A366}" type="datetime1">
               <a:rPr lang="en-US" smtClean="0"/>
               <a:pPr/>
-              <a:t>1/2/21</a:t>
+              <a:t>1/10/21</a:t>
             </a:fld>
             <a:endParaRPr lang="en-US"/>
           </a:p>
@@ -12843,7 +13594,7 @@
             <a:fld id="{37290FF7-652B-4475-AEAB-8B1A5D23AE09}" type="slidenum">
               <a:rPr lang="en-US" smtClean="0"/>
               <a:pPr/>
-              <a:t>5</a:t>
+              <a:t>6</a:t>
             </a:fld>
             <a:endParaRPr lang="en-US"/>
           </a:p>
@@ -12866,7 +13617,7 @@
           <a:p>
             <a:fld id="{37290FF7-652B-4475-AEAB-8B1A5D23AE09}" type="slidenum">
               <a:rPr lang="en-US" smtClean="0"/>
-              <a:t>5</a:t>
+              <a:t>6</a:t>
             </a:fld>
             <a:endParaRPr lang="en-US"/>
           </a:p>
@@ -14366,7 +15117,7 @@
 </p:sld>
 </file>
 
-<file path=ppt/slides/slide6.xml><?xml version="1.0" encoding="utf-8"?>
+<file path=ppt/slides/slide7.xml><?xml version="1.0" encoding="utf-8"?>
 <p:sld xmlns:a="http://schemas.openxmlformats.org/drawingml/2006/main" xmlns:r="http://schemas.openxmlformats.org/officeDocument/2006/relationships" xmlns:p="http://schemas.openxmlformats.org/presentationml/2006/main">
   <p:cSld>
     <p:spTree>
@@ -14548,7 +15299,7 @@
             <a:fld id="{9B19E99B-5349-415A-8E56-8E989211A366}" type="datetime1">
               <a:rPr lang="en-US" smtClean="0"/>
               <a:pPr/>
-              <a:t>1/2/21</a:t>
+              <a:t>1/10/21</a:t>
             </a:fld>
             <a:endParaRPr lang="en-US"/>
           </a:p>
@@ -14629,7 +15380,7 @@
             <a:fld id="{37290FF7-652B-4475-AEAB-8B1A5D23AE09}" type="slidenum">
               <a:rPr lang="en-US" smtClean="0"/>
               <a:pPr/>
-              <a:t>6</a:t>
+              <a:t>7</a:t>
             </a:fld>
             <a:endParaRPr lang="en-US"/>
           </a:p>
@@ -15979,7 +16730,7 @@
 </p:sld>
 </file>
 
-<file path=ppt/slides/slide7.xml><?xml version="1.0" encoding="utf-8"?>
+<file path=ppt/slides/slide8.xml><?xml version="1.0" encoding="utf-8"?>
 <p:sld xmlns:a="http://schemas.openxmlformats.org/drawingml/2006/main" xmlns:r="http://schemas.openxmlformats.org/officeDocument/2006/relationships" xmlns:p="http://schemas.openxmlformats.org/presentationml/2006/main">
   <p:cSld>
     <p:spTree>
@@ -16019,7 +16770,7 @@
           <a:p>
             <a:fld id="{6700A58B-DD98-43D0-B791-721480A02982}" type="datetime1">
               <a:rPr lang="en-US" smtClean="0"/>
-              <a:t>1/2/21</a:t>
+              <a:t>1/10/21</a:t>
             </a:fld>
             <a:endParaRPr lang="en-US"/>
           </a:p>
@@ -16106,7 +16857,7 @@
             <a:fld id="{37290FF7-652B-4475-AEAB-8B1A5D23AE09}" type="slidenum">
               <a:rPr lang="en-US" smtClean="0"/>
               <a:pPr/>
-              <a:t>7</a:t>
+              <a:t>8</a:t>
             </a:fld>
             <a:endParaRPr lang="en-US" dirty="0"/>
           </a:p>
@@ -16333,7 +17084,7 @@
 </p:sld>
 </file>
 
-<file path=ppt/slides/slide8.xml><?xml version="1.0" encoding="utf-8"?>
+<file path=ppt/slides/slide9.xml><?xml version="1.0" encoding="utf-8"?>
 <p:sld xmlns:a="http://schemas.openxmlformats.org/drawingml/2006/main" xmlns:r="http://schemas.openxmlformats.org/officeDocument/2006/relationships" xmlns:p="http://schemas.openxmlformats.org/presentationml/2006/main">
   <p:cSld>
     <p:spTree>
@@ -16368,7 +17119,7 @@
             <a:fld id="{6700A58B-DD98-43D0-B791-721480A02982}" type="datetime1">
               <a:rPr lang="en-US" smtClean="0"/>
               <a:pPr/>
-              <a:t>1/2/21</a:t>
+              <a:t>1/10/21</a:t>
             </a:fld>
             <a:endParaRPr lang="en-US"/>
           </a:p>
@@ -16414,7 +17165,7 @@
           <a:p>
             <a:fld id="{37290FF7-652B-4475-AEAB-8B1A5D23AE09}" type="slidenum">
               <a:rPr lang="en-US" smtClean="0"/>
-              <a:t>8</a:t>
+              <a:t>9</a:t>
             </a:fld>
             <a:endParaRPr lang="en-US"/>
           </a:p>
@@ -16781,541 +17532,6 @@
     <p:extLst>
       <p:ext uri="{BB962C8B-B14F-4D97-AF65-F5344CB8AC3E}">
         <p14:creationId xmlns:p14="http://schemas.microsoft.com/office/powerpoint/2010/main" val="775810601"/>
-      </p:ext>
-    </p:extLst>
-  </p:cSld>
-  <p:clrMapOvr>
-    <a:masterClrMapping/>
-  </p:clrMapOvr>
-</p:sld>
-</file>
-
-<file path=ppt/slides/slide9.xml><?xml version="1.0" encoding="utf-8"?>
-<p:sld xmlns:a="http://schemas.openxmlformats.org/drawingml/2006/main" xmlns:r="http://schemas.openxmlformats.org/officeDocument/2006/relationships" xmlns:p="http://schemas.openxmlformats.org/presentationml/2006/main">
-  <p:cSld>
-    <p:spTree>
-      <p:nvGrpSpPr>
-        <p:cNvPr id="1" name=""/>
-        <p:cNvGrpSpPr/>
-        <p:nvPr/>
-      </p:nvGrpSpPr>
-      <p:grpSpPr>
-        <a:xfrm>
-          <a:off x="0" y="0"/>
-          <a:ext cx="0" cy="0"/>
-          <a:chOff x="0" y="0"/>
-          <a:chExt cx="0" cy="0"/>
-        </a:xfrm>
-      </p:grpSpPr>
-      <p:sp>
-        <p:nvSpPr>
-          <p:cNvPr id="2" name="Date Placeholder 1"/>
-          <p:cNvSpPr>
-            <a:spLocks noGrp="1"/>
-          </p:cNvSpPr>
-          <p:nvPr>
-            <p:ph type="dt" sz="half" idx="10"/>
-          </p:nvPr>
-        </p:nvSpPr>
-        <p:spPr/>
-        <p:txBody>
-          <a:bodyPr/>
-          <a:lstStyle/>
-          <a:p>
-            <a:fld id="{6700A58B-DD98-43D0-B791-721480A02982}" type="datetime1">
-              <a:rPr lang="en-US" smtClean="0"/>
-              <a:pPr/>
-              <a:t>1/2/21</a:t>
-            </a:fld>
-            <a:endParaRPr lang="en-US"/>
-          </a:p>
-        </p:txBody>
-      </p:sp>
-      <p:sp>
-        <p:nvSpPr>
-          <p:cNvPr id="3" name="Title 2"/>
-          <p:cNvSpPr>
-            <a:spLocks noGrp="1"/>
-          </p:cNvSpPr>
-          <p:nvPr>
-            <p:ph type="title"/>
-          </p:nvPr>
-        </p:nvSpPr>
-        <p:spPr/>
-        <p:txBody>
-          <a:bodyPr/>
-          <a:lstStyle/>
-          <a:p>
-            <a:r>
-              <a:rPr lang="en-US"/>
-              <a:t>Linear Regression for continuous outcomes</a:t>
-            </a:r>
-            <a:endParaRPr lang="en-US" dirty="0"/>
-          </a:p>
-        </p:txBody>
-      </p:sp>
-      <p:sp>
-        <p:nvSpPr>
-          <p:cNvPr id="4" name="Slide Number Placeholder 3"/>
-          <p:cNvSpPr>
-            <a:spLocks noGrp="1"/>
-          </p:cNvSpPr>
-          <p:nvPr>
-            <p:ph type="sldNum" sz="quarter" idx="4294967295"/>
-          </p:nvPr>
-        </p:nvSpPr>
-        <p:spPr/>
-        <p:txBody>
-          <a:bodyPr/>
-          <a:lstStyle/>
-          <a:p>
-            <a:fld id="{37290FF7-652B-4475-AEAB-8B1A5D23AE09}" type="slidenum">
-              <a:rPr lang="en-US" smtClean="0"/>
-              <a:t>9</a:t>
-            </a:fld>
-            <a:endParaRPr lang="en-US"/>
-          </a:p>
-        </p:txBody>
-      </p:sp>
-      <p:grpSp>
-        <p:nvGrpSpPr>
-          <p:cNvPr id="11" name="Group 10"/>
-          <p:cNvGrpSpPr/>
-          <p:nvPr/>
-        </p:nvGrpSpPr>
-        <p:grpSpPr>
-          <a:xfrm>
-            <a:off x="762497" y="2101524"/>
-            <a:ext cx="7699860" cy="1884473"/>
-            <a:chOff x="629493" y="1419881"/>
-            <a:chExt cx="7699860" cy="1884473"/>
-          </a:xfrm>
-        </p:grpSpPr>
-        <p:pic>
-          <p:nvPicPr>
-            <p:cNvPr id="6" name="Shape 318"/>
-            <p:cNvPicPr preferRelativeResize="0"/>
-            <p:nvPr/>
-          </p:nvPicPr>
-          <p:blipFill>
-            <a:blip r:embed="rId3">
-              <a:alphaModFix/>
-            </a:blip>
-            <a:stretch>
-              <a:fillRect/>
-            </a:stretch>
-          </p:blipFill>
-          <p:spPr>
-            <a:xfrm>
-              <a:off x="872168" y="1419881"/>
-              <a:ext cx="867523" cy="1884473"/>
-            </a:xfrm>
-            <a:prstGeom prst="rect">
-              <a:avLst/>
-            </a:prstGeom>
-            <a:noFill/>
-            <a:ln>
-              <a:noFill/>
-            </a:ln>
-          </p:spPr>
-        </p:pic>
-        <mc:AlternateContent xmlns:mc="http://schemas.openxmlformats.org/markup-compatibility/2006" xmlns:a14="http://schemas.microsoft.com/office/drawing/2010/main">
-          <mc:Choice Requires="a14">
-            <p:sp>
-              <p:nvSpPr>
-                <p:cNvPr id="7" name="Shape 319"/>
-                <p:cNvSpPr txBox="1"/>
-                <p:nvPr/>
-              </p:nvSpPr>
-              <p:spPr>
-                <a:xfrm>
-                  <a:off x="1817393" y="2248718"/>
-                  <a:ext cx="6511960" cy="504600"/>
-                </a:xfrm>
-                <a:prstGeom prst="rect">
-                  <a:avLst/>
-                </a:prstGeom>
-                <a:noFill/>
-                <a:ln>
-                  <a:noFill/>
-                </a:ln>
-              </p:spPr>
-              <p:txBody>
-                <a:bodyPr lIns="91425" tIns="91425" rIns="91425" bIns="91425" anchor="t" anchorCtr="0">
-                  <a:noAutofit/>
-                </a:bodyPr>
-                <a:lstStyle/>
-                <a:p>
-                  <a:r>
-                    <a:rPr lang="en" sz="2000" dirty="0">
-                      <a:latin typeface="Open Sans"/>
-                      <a:ea typeface="Open Sans"/>
-                      <a:cs typeface="Open Sans"/>
-                      <a:sym typeface="Open Sans"/>
-                    </a:rPr>
-                    <a:t>=</a:t>
-                  </a:r>
-                  <a:r>
-                    <a:rPr lang="el-GR" sz="2000" dirty="0"/>
-                    <a:t> </a:t>
-                  </a:r>
-                  <a14:m>
-                    <m:oMath xmlns:m="http://schemas.openxmlformats.org/officeDocument/2006/math">
-                      <m:r>
-                        <a:rPr lang="el-GR" sz="2000" i="1">
-                          <a:latin typeface="Cambria Math" panose="02040503050406030204" pitchFamily="18" charset="0"/>
-                        </a:rPr>
-                        <m:t>𝛽</m:t>
-                      </m:r>
-                    </m:oMath>
-                  </a14:m>
-                  <a:r>
-                    <a:rPr lang="en" sz="2000" dirty="0">
-                      <a:latin typeface="Open Sans"/>
-                      <a:ea typeface="Open Sans"/>
-                      <a:cs typeface="Open Sans"/>
-                      <a:sym typeface="Open Sans"/>
-                    </a:rPr>
-                    <a:t> +</a:t>
-                  </a:r>
-                  <a:r>
-                    <a:rPr lang="el-GR" sz="2000" dirty="0"/>
-                    <a:t> </a:t>
-                  </a:r>
-                  <a:r>
-                    <a:rPr lang="en-US" sz="2000" dirty="0"/>
-                    <a:t>(</a:t>
-                  </a:r>
-                  <a14:m>
-                    <m:oMath xmlns:m="http://schemas.openxmlformats.org/officeDocument/2006/math">
-                      <m:r>
-                        <a:rPr lang="el-GR" sz="2000" i="1">
-                          <a:latin typeface="Cambria Math" panose="02040503050406030204" pitchFamily="18" charset="0"/>
-                        </a:rPr>
-                        <m:t>𝛽</m:t>
-                      </m:r>
-                    </m:oMath>
-                  </a14:m>
-                  <a:r>
-                    <a:rPr lang="en" sz="2000" dirty="0">
-                      <a:latin typeface="Open Sans"/>
-                      <a:ea typeface="Open Sans"/>
-                      <a:cs typeface="Open Sans"/>
-                      <a:sym typeface="Open Sans"/>
-                    </a:rPr>
-                    <a:t>*temperature) +</a:t>
-                  </a:r>
-                  <a:r>
-                    <a:rPr lang="el-GR" sz="2000" dirty="0"/>
-                    <a:t> </a:t>
-                  </a:r>
-                  <a:r>
-                    <a:rPr lang="en-US" sz="2000" dirty="0"/>
-                    <a:t>(</a:t>
-                  </a:r>
-                  <a14:m>
-                    <m:oMath xmlns:m="http://schemas.openxmlformats.org/officeDocument/2006/math">
-                      <m:r>
-                        <a:rPr lang="el-GR" sz="2000" i="1">
-                          <a:latin typeface="Cambria Math" panose="02040503050406030204" pitchFamily="18" charset="0"/>
-                        </a:rPr>
-                        <m:t>𝛽</m:t>
-                      </m:r>
-                    </m:oMath>
-                  </a14:m>
-                  <a:r>
-                    <a:rPr lang="en" sz="2000" dirty="0">
-                      <a:latin typeface="Open Sans"/>
-                      <a:ea typeface="Open Sans"/>
-                      <a:cs typeface="Open Sans"/>
-                      <a:sym typeface="Open Sans"/>
-                    </a:rPr>
-                    <a:t>*day) +</a:t>
-                  </a:r>
-                  <a:r>
-                    <a:rPr lang="el-GR" sz="2000" dirty="0"/>
-                    <a:t> </a:t>
-                  </a:r>
-                  <a:r>
-                    <a:rPr lang="en-US" sz="2000" dirty="0"/>
-                    <a:t>(</a:t>
-                  </a:r>
-                  <a14:m>
-                    <m:oMath xmlns:m="http://schemas.openxmlformats.org/officeDocument/2006/math">
-                      <m:r>
-                        <a:rPr lang="el-GR" sz="2000" i="1">
-                          <a:latin typeface="Cambria Math" panose="02040503050406030204" pitchFamily="18" charset="0"/>
-                        </a:rPr>
-                        <m:t>𝛽</m:t>
-                      </m:r>
-                    </m:oMath>
-                  </a14:m>
-                  <a:r>
-                    <a:rPr lang="en" sz="2000" dirty="0">
-                      <a:latin typeface="Open Sans"/>
-                      <a:ea typeface="Open Sans"/>
-                      <a:cs typeface="Open Sans"/>
-                      <a:sym typeface="Open Sans"/>
-                    </a:rPr>
-                    <a:t>*price) + error</a:t>
-                  </a:r>
-                </a:p>
-              </p:txBody>
-            </p:sp>
-          </mc:Choice>
-          <mc:Fallback xmlns="">
-            <p:sp>
-              <p:nvSpPr>
-                <p:cNvPr id="7" name="Shape 319"/>
-                <p:cNvSpPr txBox="1">
-                  <a:spLocks noRot="1" noChangeAspect="1" noMove="1" noResize="1" noEditPoints="1" noAdjustHandles="1" noChangeArrowheads="1" noChangeShapeType="1" noTextEdit="1"/>
-                </p:cNvSpPr>
-                <p:nvPr/>
-              </p:nvSpPr>
-              <p:spPr>
-                <a:xfrm>
-                  <a:off x="1817393" y="2248718"/>
-                  <a:ext cx="6511960" cy="504600"/>
-                </a:xfrm>
-                <a:prstGeom prst="rect">
-                  <a:avLst/>
-                </a:prstGeom>
-                <a:blipFill>
-                  <a:blip r:embed="rId4"/>
-                  <a:stretch>
-                    <a:fillRect l="-1030" b="-9756"/>
-                  </a:stretch>
-                </a:blipFill>
-                <a:ln>
-                  <a:noFill/>
-                </a:ln>
-              </p:spPr>
-              <p:txBody>
-                <a:bodyPr/>
-                <a:lstStyle/>
-                <a:p>
-                  <a:r>
-                    <a:rPr lang="en-US">
-                      <a:noFill/>
-                    </a:rPr>
-                    <a:t> </a:t>
-                  </a:r>
-                </a:p>
-              </p:txBody>
-            </p:sp>
-          </mc:Fallback>
-        </mc:AlternateContent>
-        <p:sp>
-          <p:nvSpPr>
-            <p:cNvPr id="8" name="Shape 320"/>
-            <p:cNvSpPr txBox="1"/>
-            <p:nvPr/>
-          </p:nvSpPr>
-          <p:spPr>
-            <a:xfrm>
-              <a:off x="629493" y="2248718"/>
-              <a:ext cx="412500" cy="504600"/>
-            </a:xfrm>
-            <a:prstGeom prst="rect">
-              <a:avLst/>
-            </a:prstGeom>
-            <a:noFill/>
-            <a:ln>
-              <a:noFill/>
-            </a:ln>
-          </p:spPr>
-          <p:txBody>
-            <a:bodyPr lIns="91425" tIns="91425" rIns="91425" bIns="91425" anchor="t" anchorCtr="0">
-              <a:noAutofit/>
-            </a:bodyPr>
-            <a:lstStyle/>
-            <a:p>
-              <a:r>
-                <a:rPr lang="en" sz="3000">
-                  <a:latin typeface="Open Sans"/>
-                  <a:ea typeface="Open Sans"/>
-                  <a:cs typeface="Open Sans"/>
-                  <a:sym typeface="Open Sans"/>
-                </a:rPr>
-                <a:t># </a:t>
-              </a:r>
-            </a:p>
-          </p:txBody>
-        </p:sp>
-      </p:grpSp>
-      <p:sp>
-        <p:nvSpPr>
-          <p:cNvPr id="10" name="Rectangle 9"/>
-          <p:cNvSpPr/>
-          <p:nvPr/>
-        </p:nvSpPr>
-        <p:spPr>
-          <a:xfrm>
-            <a:off x="706582" y="1273114"/>
-            <a:ext cx="7730837" cy="565266"/>
-          </a:xfrm>
-          <a:prstGeom prst="rect">
-            <a:avLst/>
-          </a:prstGeom>
-          <a:solidFill>
-            <a:schemeClr val="accent2"/>
-          </a:solidFill>
-          <a:ln>
-            <a:noFill/>
-          </a:ln>
-        </p:spPr>
-        <p:style>
-          <a:lnRef idx="2">
-            <a:schemeClr val="accent1">
-              <a:shade val="50000"/>
-            </a:schemeClr>
-          </a:lnRef>
-          <a:fillRef idx="1">
-            <a:schemeClr val="accent1"/>
-          </a:fillRef>
-          <a:effectRef idx="0">
-            <a:schemeClr val="accent1"/>
-          </a:effectRef>
-          <a:fontRef idx="minor">
-            <a:schemeClr val="lt1"/>
-          </a:fontRef>
-        </p:style>
-        <p:txBody>
-          <a:bodyPr rtlCol="0" anchor="ctr"/>
-          <a:lstStyle/>
-          <a:p>
-            <a:pPr algn="ctr"/>
-            <a:r>
-              <a:rPr lang="en-US" dirty="0"/>
-              <a:t>Some linear combination of temperature values, day of the week dummy variables and price estimate the number of cones that will sell.</a:t>
-            </a:r>
-          </a:p>
-        </p:txBody>
-      </p:sp>
-      <p:cxnSp>
-        <p:nvCxnSpPr>
-          <p:cNvPr id="12" name="Straight Connector 11">
-            <a:extLst>
-              <a:ext uri="{FF2B5EF4-FFF2-40B4-BE49-F238E27FC236}">
-                <a16:creationId xmlns:a16="http://schemas.microsoft.com/office/drawing/2014/main" id="{BCDC043C-207D-2947-9E57-1C3168916201}"/>
-              </a:ext>
-            </a:extLst>
-          </p:cNvPr>
-          <p:cNvCxnSpPr/>
-          <p:nvPr/>
-        </p:nvCxnSpPr>
-        <p:spPr>
-          <a:xfrm>
-            <a:off x="6798363" y="6549885"/>
-            <a:ext cx="0" cy="182880"/>
-          </a:xfrm>
-          <a:prstGeom prst="line">
-            <a:avLst/>
-          </a:prstGeom>
-          <a:ln>
-            <a:solidFill>
-              <a:schemeClr val="bg1">
-                <a:lumMod val="85000"/>
-              </a:schemeClr>
-            </a:solidFill>
-          </a:ln>
-        </p:spPr>
-        <p:style>
-          <a:lnRef idx="1">
-            <a:schemeClr val="accent1"/>
-          </a:lnRef>
-          <a:fillRef idx="0">
-            <a:schemeClr val="accent1"/>
-          </a:fillRef>
-          <a:effectRef idx="0">
-            <a:schemeClr val="accent1"/>
-          </a:effectRef>
-          <a:fontRef idx="minor">
-            <a:schemeClr val="tx1"/>
-          </a:fontRef>
-        </p:style>
-      </p:cxnSp>
-      <p:cxnSp>
-        <p:nvCxnSpPr>
-          <p:cNvPr id="13" name="Straight Connector 12">
-            <a:extLst>
-              <a:ext uri="{FF2B5EF4-FFF2-40B4-BE49-F238E27FC236}">
-                <a16:creationId xmlns:a16="http://schemas.microsoft.com/office/drawing/2014/main" id="{A0EED5C9-95AE-044F-B86E-30B4AD8F104A}"/>
-              </a:ext>
-            </a:extLst>
-          </p:cNvPr>
-          <p:cNvCxnSpPr/>
-          <p:nvPr/>
-        </p:nvCxnSpPr>
-        <p:spPr>
-          <a:xfrm>
-            <a:off x="7076661" y="4664763"/>
-            <a:ext cx="182880" cy="0"/>
-          </a:xfrm>
-          <a:prstGeom prst="line">
-            <a:avLst/>
-          </a:prstGeom>
-          <a:ln>
-            <a:solidFill>
-              <a:schemeClr val="bg1">
-                <a:lumMod val="85000"/>
-              </a:schemeClr>
-            </a:solidFill>
-          </a:ln>
-        </p:spPr>
-        <p:style>
-          <a:lnRef idx="1">
-            <a:schemeClr val="accent1"/>
-          </a:lnRef>
-          <a:fillRef idx="0">
-            <a:schemeClr val="accent1"/>
-          </a:fillRef>
-          <a:effectRef idx="0">
-            <a:schemeClr val="accent1"/>
-          </a:effectRef>
-          <a:fontRef idx="minor">
-            <a:schemeClr val="tx1"/>
-          </a:fontRef>
-        </p:style>
-      </p:cxnSp>
-      <p:sp>
-        <p:nvSpPr>
-          <p:cNvPr id="14" name="Footer Placeholder 3">
-            <a:extLst>
-              <a:ext uri="{FF2B5EF4-FFF2-40B4-BE49-F238E27FC236}">
-                <a16:creationId xmlns:a16="http://schemas.microsoft.com/office/drawing/2014/main" id="{331D7645-8D6C-624A-9733-7A078E58F7DB}"/>
-              </a:ext>
-            </a:extLst>
-          </p:cNvPr>
-          <p:cNvSpPr>
-            <a:spLocks noGrp="1"/>
-          </p:cNvSpPr>
-          <p:nvPr>
-            <p:ph type="ftr" sz="quarter" idx="3"/>
-          </p:nvPr>
-        </p:nvSpPr>
-        <p:spPr>
-          <a:xfrm>
-            <a:off x="3028950" y="6356351"/>
-            <a:ext cx="3086100" cy="365125"/>
-          </a:xfrm>
-        </p:spPr>
-        <p:txBody>
-          <a:bodyPr/>
-          <a:lstStyle/>
-          <a:p>
-            <a:r>
-              <a:rPr lang="en-US"/>
-              <a:t>Kwartler</a:t>
-            </a:r>
-            <a:endParaRPr lang="en-US" dirty="0"/>
-          </a:p>
-        </p:txBody>
-      </p:sp>
-    </p:spTree>
-    <p:extLst>
-      <p:ext uri="{BB962C8B-B14F-4D97-AF65-F5344CB8AC3E}">
-        <p14:creationId xmlns:p14="http://schemas.microsoft.com/office/powerpoint/2010/main" val="3556059953"/>
       </p:ext>
     </p:extLst>
   </p:cSld>
